--- a/UT/.slides/02-stubs-and-mocks.pptx
+++ b/UT/.slides/02-stubs-and-mocks.pptx
@@ -303,7 +303,7 @@
               <a:pPr>
                 <a:defRPr/>
               </a:pPr>
-              <a:t>10/25/2015</a:t>
+              <a:t>8/8/2016</a:t>
             </a:fld>
             <a:endParaRPr lang="en-US"/>
           </a:p>
@@ -339,7 +339,7 @@
           <a:lstStyle/>
           <a:p>
             <a:pPr lvl="0"/>
-            <a:endParaRPr lang="en-US" noProof="0" smtClean="0"/>
+            <a:endParaRPr lang="en-US" noProof="0"/>
           </a:p>
         </p:txBody>
       </p:sp>
@@ -368,35 +368,35 @@
           <a:p>
             <a:pPr lvl="0"/>
             <a:r>
-              <a:rPr lang="en-US" noProof="0" smtClean="0"/>
+              <a:rPr lang="en-US" noProof="0"/>
               <a:t>Click to edit Master text styles</a:t>
             </a:r>
           </a:p>
           <a:p>
             <a:pPr lvl="1"/>
             <a:r>
-              <a:rPr lang="en-US" noProof="0" smtClean="0"/>
+              <a:rPr lang="en-US" noProof="0"/>
               <a:t>Second level</a:t>
             </a:r>
           </a:p>
           <a:p>
             <a:pPr lvl="2"/>
             <a:r>
-              <a:rPr lang="en-US" noProof="0" smtClean="0"/>
+              <a:rPr lang="en-US" noProof="0"/>
               <a:t>Third level</a:t>
             </a:r>
           </a:p>
           <a:p>
             <a:pPr lvl="3"/>
             <a:r>
-              <a:rPr lang="en-US" noProof="0" smtClean="0"/>
+              <a:rPr lang="en-US" noProof="0"/>
               <a:t>Fourth level</a:t>
             </a:r>
           </a:p>
           <a:p>
             <a:pPr lvl="4"/>
             <a:r>
-              <a:rPr lang="en-US" noProof="0" smtClean="0"/>
+              <a:rPr lang="en-US" noProof="0"/>
               <a:t>Fifth level</a:t>
             </a:r>
           </a:p>
@@ -745,7 +745,7 @@
           <a:lstStyle/>
           <a:p>
             <a:r>
-              <a:rPr lang="zh-Hans" altLang="en-US" dirty="0" smtClean="0"/>
+              <a:rPr lang="zh-Hans" altLang="en-US" dirty="0"/>
               <a:t>介绍新需求</a:t>
             </a:r>
             <a:endParaRPr lang="en-US" dirty="0"/>
@@ -843,15 +843,15 @@
               <a:buChar char="•"/>
             </a:pPr>
             <a:r>
-              <a:rPr lang="zh-Hans" altLang="en-US" dirty="0" smtClean="0"/>
+              <a:rPr lang="zh-Hans" altLang="en-US" dirty="0"/>
               <a:t>更新代码</a:t>
             </a:r>
             <a:r>
-              <a:rPr lang="en-US" altLang="zh-Hans" dirty="0" smtClean="0"/>
+              <a:rPr lang="en-US" altLang="zh-Hans" dirty="0"/>
               <a:t>, </a:t>
             </a:r>
             <a:r>
-              <a:rPr lang="zh-Hans" altLang="en-US" dirty="0" smtClean="0"/>
+              <a:rPr lang="zh-Hans" altLang="en-US" dirty="0"/>
               <a:t>后续课程均需进行此步</a:t>
             </a:r>
           </a:p>
@@ -861,39 +861,39 @@
               <a:buChar char="•"/>
             </a:pPr>
             <a:r>
-              <a:rPr lang="zh-Hans" altLang="en-US" dirty="0" smtClean="0"/>
+              <a:rPr lang="zh-Hans" altLang="en-US" dirty="0"/>
               <a:t>重构使</a:t>
             </a:r>
             <a:r>
-              <a:rPr lang="en-US" altLang="zh-Hans" dirty="0" smtClean="0"/>
+              <a:rPr lang="en-US" altLang="zh-Hans" dirty="0"/>
               <a:t>Librarian</a:t>
             </a:r>
             <a:r>
-              <a:rPr lang="zh-Hans" altLang="en-US" dirty="0" smtClean="0"/>
+              <a:rPr lang="zh-Hans" altLang="en-US" dirty="0"/>
               <a:t>对象支持新的</a:t>
             </a:r>
             <a:r>
-              <a:rPr lang="en-US" altLang="zh-Hans" dirty="0" smtClean="0"/>
+              <a:rPr lang="en-US" altLang="zh-Hans" dirty="0"/>
               <a:t>Book</a:t>
             </a:r>
             <a:r>
-              <a:rPr lang="zh-Hans" altLang="en-US" dirty="0" smtClean="0"/>
+              <a:rPr lang="zh-Hans" altLang="en-US" dirty="0"/>
               <a:t>依赖</a:t>
             </a:r>
             <a:r>
-              <a:rPr lang="en-US" altLang="zh-Hans" dirty="0" smtClean="0"/>
+              <a:rPr lang="en-US" altLang="zh-Hans" dirty="0"/>
               <a:t>, </a:t>
             </a:r>
             <a:r>
-              <a:rPr lang="zh-Hans" altLang="en-US" dirty="0" smtClean="0"/>
+              <a:rPr lang="zh-Hans" altLang="en-US" dirty="0"/>
               <a:t>测试可以通过</a:t>
             </a:r>
             <a:r>
-              <a:rPr lang="en-US" altLang="zh-Hans" dirty="0" smtClean="0"/>
+              <a:rPr lang="en-US" altLang="zh-Hans" dirty="0"/>
               <a:t>Book</a:t>
             </a:r>
             <a:r>
-              <a:rPr lang="zh-Hans" altLang="en-US" dirty="0" smtClean="0"/>
+              <a:rPr lang="zh-Hans" altLang="en-US" dirty="0"/>
               <a:t>真实对象实现</a:t>
             </a:r>
           </a:p>
@@ -903,34 +903,34 @@
               <a:buChar char="•"/>
             </a:pPr>
             <a:r>
-              <a:rPr lang="en-US" altLang="zh-Hans" dirty="0" smtClean="0"/>
+              <a:rPr lang="en-US" altLang="zh-Hans" dirty="0"/>
               <a:t>Librarian::store(vendor)</a:t>
             </a:r>
             <a:r>
-              <a:rPr lang="zh-Hans" altLang="en-US" dirty="0" smtClean="0"/>
+              <a:rPr lang="zh-Hans" altLang="en-US" dirty="0"/>
               <a:t>需要构造一个</a:t>
             </a:r>
             <a:r>
-              <a:rPr lang="en-US" altLang="zh-Hans" dirty="0" smtClean="0"/>
+              <a:rPr lang="en-US" altLang="zh-Hans" dirty="0"/>
               <a:t>`</a:t>
             </a:r>
             <a:r>
-              <a:rPr lang="zh-Hans" altLang="en-US" dirty="0" smtClean="0"/>
+              <a:rPr lang="zh-Hans" altLang="en-US" dirty="0"/>
               <a:t>假</a:t>
             </a:r>
             <a:r>
-              <a:rPr lang="en-US" altLang="zh-Hans" dirty="0" smtClean="0"/>
+              <a:rPr lang="en-US" altLang="zh-Hans" dirty="0"/>
               <a:t>`</a:t>
             </a:r>
             <a:r>
-              <a:rPr lang="zh-Hans" altLang="en-US" dirty="0" smtClean="0"/>
+              <a:rPr lang="zh-Hans" altLang="en-US" dirty="0"/>
               <a:t>的</a:t>
             </a:r>
             <a:r>
-              <a:rPr lang="en-US" altLang="zh-Hans" dirty="0" smtClean="0"/>
+              <a:rPr lang="en-US" altLang="zh-Hans" dirty="0"/>
               <a:t>vendor</a:t>
             </a:r>
-            <a:endParaRPr lang="zh-Hans" altLang="en-US" dirty="0" smtClean="0"/>
+            <a:endParaRPr lang="zh-Hans" altLang="en-US" dirty="0"/>
           </a:p>
           <a:p>
             <a:pPr marL="171450" indent="-171450">
@@ -1212,15 +1212,15 @@
               <a:buChar char="•"/>
             </a:pPr>
             <a:r>
-              <a:rPr lang="zh-Hans" altLang="en-US" dirty="0" smtClean="0"/>
+              <a:rPr lang="zh-Hans" altLang="en-US" dirty="0"/>
               <a:t>通过</a:t>
             </a:r>
             <a:r>
-              <a:rPr lang="en-US" altLang="zh-Hans" dirty="0" smtClean="0"/>
+              <a:rPr lang="en-US" altLang="zh-Hans" dirty="0"/>
               <a:t>EXPECT</a:t>
             </a:r>
             <a:r>
-              <a:rPr lang="zh-Hans" altLang="en-US" dirty="0" smtClean="0"/>
+              <a:rPr lang="zh-Hans" altLang="en-US" dirty="0"/>
               <a:t>对传入参数设置期望</a:t>
             </a:r>
           </a:p>
@@ -1230,15 +1230,15 @@
               <a:buChar char="•"/>
             </a:pPr>
             <a:r>
-              <a:rPr lang="zh-Hans" altLang="en-US" dirty="0" smtClean="0"/>
+              <a:rPr lang="zh-Hans" altLang="en-US" dirty="0"/>
               <a:t>通过</a:t>
             </a:r>
             <a:r>
-              <a:rPr lang="en-US" altLang="zh-Hans" dirty="0" smtClean="0"/>
+              <a:rPr lang="en-US" altLang="zh-Hans" dirty="0"/>
               <a:t>Times</a:t>
             </a:r>
             <a:r>
-              <a:rPr lang="zh-Hans" altLang="en-US" dirty="0" smtClean="0"/>
+              <a:rPr lang="zh-Hans" altLang="en-US" dirty="0"/>
               <a:t>限制付款次数</a:t>
             </a:r>
             <a:endParaRPr lang="en-US" dirty="0"/>
@@ -1331,7 +1331,7 @@
           </a:ln>
           <a:extLst>
             <a:ext uri="{909E8E84-426E-40dd-AFC4-6F175D3DCCD1}">
-              <a14:hiddenFill xmlns:a14="http://schemas.microsoft.com/office/drawing/2010/main" xmlns="">
+              <a14:hiddenFill xmlns="" xmlns:a14="http://schemas.microsoft.com/office/drawing/2010/main">
                 <a:noFill/>
               </a14:hiddenFill>
             </a:ext>
@@ -1375,7 +1375,7 @@
           </a:ln>
           <a:extLst>
             <a:ext uri="{909E8E84-426E-40dd-AFC4-6F175D3DCCD1}">
-              <a14:hiddenFill xmlns:a14="http://schemas.microsoft.com/office/drawing/2010/main" xmlns="">
+              <a14:hiddenFill xmlns="" xmlns:a14="http://schemas.microsoft.com/office/drawing/2010/main">
                 <a:noFill/>
               </a14:hiddenFill>
             </a:ext>
@@ -1424,14 +1424,14 @@
           </a:ln>
           <a:extLst>
             <a:ext uri="{909E8E84-426E-40dd-AFC4-6F175D3DCCD1}">
-              <a14:hiddenFill xmlns:a14="http://schemas.microsoft.com/office/drawing/2010/main" xmlns="">
+              <a14:hiddenFill xmlns="" xmlns:a14="http://schemas.microsoft.com/office/drawing/2010/main">
                 <a:solidFill>
                   <a:srgbClr val="FFFFFF"/>
                 </a:solidFill>
               </a14:hiddenFill>
             </a:ext>
             <a:ext uri="{91240B29-F687-4f45-9708-019B960494DF}">
-              <a14:hiddenLine xmlns:a14="http://schemas.microsoft.com/office/drawing/2010/main" xmlns="" w="9525">
+              <a14:hiddenLine xmlns="" xmlns:a14="http://schemas.microsoft.com/office/drawing/2010/main" w="9525">
                 <a:solidFill>
                   <a:srgbClr val="000000"/>
                 </a:solidFill>
@@ -1470,7 +1470,7 @@
           </a:lstStyle>
           <a:p>
             <a:r>
-              <a:rPr lang="zh-Hans" altLang="en-US" smtClean="0"/>
+              <a:rPr lang="zh-Hans" altLang="en-US"/>
               <a:t>单击此处编辑母版标题样式</a:t>
             </a:r>
             <a:endParaRPr lang="en-US" dirty="0"/>
@@ -1530,35 +1530,35 @@
           <a:p>
             <a:pPr lvl="0"/>
             <a:r>
-              <a:rPr lang="zh-Hans" altLang="en-US" smtClean="0"/>
+              <a:rPr lang="zh-Hans" altLang="en-US"/>
               <a:t>单击此处编辑母版文本样式</a:t>
             </a:r>
           </a:p>
           <a:p>
             <a:pPr lvl="1"/>
             <a:r>
-              <a:rPr lang="zh-Hans" altLang="en-US" smtClean="0"/>
+              <a:rPr lang="zh-Hans" altLang="en-US"/>
               <a:t>第二级</a:t>
             </a:r>
           </a:p>
           <a:p>
             <a:pPr lvl="2"/>
             <a:r>
-              <a:rPr lang="zh-Hans" altLang="en-US" smtClean="0"/>
+              <a:rPr lang="zh-Hans" altLang="en-US"/>
               <a:t>第三级</a:t>
             </a:r>
           </a:p>
           <a:p>
             <a:pPr lvl="3"/>
             <a:r>
-              <a:rPr lang="zh-Hans" altLang="en-US" smtClean="0"/>
+              <a:rPr lang="zh-Hans" altLang="en-US"/>
               <a:t>第四级</a:t>
             </a:r>
           </a:p>
           <a:p>
             <a:pPr lvl="4"/>
             <a:r>
-              <a:rPr lang="zh-Hans" altLang="en-US" smtClean="0"/>
+              <a:rPr lang="zh-Hans" altLang="en-US"/>
               <a:t>第五级</a:t>
             </a:r>
             <a:endParaRPr lang="en-US" dirty="0"/>
@@ -1641,7 +1641,7 @@
           <a:p>
             <a:pPr lvl="0"/>
             <a:r>
-              <a:rPr lang="zh-Hans" altLang="en-US" smtClean="0"/>
+              <a:rPr lang="zh-Hans" altLang="en-US"/>
               <a:t>单击此处编辑母版文本样式</a:t>
             </a:r>
           </a:p>
@@ -1776,7 +1776,7 @@
           </a:ln>
           <a:extLst>
             <a:ext uri="{909E8E84-426E-40dd-AFC4-6F175D3DCCD1}">
-              <a14:hiddenFill xmlns:a14="http://schemas.microsoft.com/office/drawing/2010/main" xmlns="">
+              <a14:hiddenFill xmlns="" xmlns:a14="http://schemas.microsoft.com/office/drawing/2010/main">
                 <a:noFill/>
               </a14:hiddenFill>
             </a:ext>
@@ -1825,14 +1825,14 @@
           </a:ln>
           <a:extLst>
             <a:ext uri="{909E8E84-426E-40dd-AFC4-6F175D3DCCD1}">
-              <a14:hiddenFill xmlns:a14="http://schemas.microsoft.com/office/drawing/2010/main" xmlns="">
+              <a14:hiddenFill xmlns="" xmlns:a14="http://schemas.microsoft.com/office/drawing/2010/main">
                 <a:solidFill>
                   <a:srgbClr val="FFFFFF"/>
                 </a:solidFill>
               </a14:hiddenFill>
             </a:ext>
             <a:ext uri="{91240B29-F687-4f45-9708-019B960494DF}">
-              <a14:hiddenLine xmlns:a14="http://schemas.microsoft.com/office/drawing/2010/main" xmlns="" w="9525">
+              <a14:hiddenLine xmlns="" xmlns:a14="http://schemas.microsoft.com/office/drawing/2010/main" w="9525">
                 <a:solidFill>
                   <a:srgbClr val="000000"/>
                 </a:solidFill>
@@ -1871,7 +1871,7 @@
           </a:lstStyle>
           <a:p>
             <a:r>
-              <a:rPr lang="zh-Hans" altLang="en-US" smtClean="0"/>
+              <a:rPr lang="zh-Hans" altLang="en-US"/>
               <a:t>单击此处编辑母版标题样式</a:t>
             </a:r>
             <a:endParaRPr lang="en-US" dirty="0"/>
@@ -1966,35 +1966,35 @@
           <a:p>
             <a:pPr lvl="0"/>
             <a:r>
-              <a:rPr lang="zh-Hans" altLang="en-US" smtClean="0"/>
+              <a:rPr lang="zh-Hans" altLang="en-US"/>
               <a:t>单击此处编辑母版文本样式</a:t>
             </a:r>
           </a:p>
           <a:p>
             <a:pPr lvl="1"/>
             <a:r>
-              <a:rPr lang="zh-Hans" altLang="en-US" smtClean="0"/>
+              <a:rPr lang="zh-Hans" altLang="en-US"/>
               <a:t>第二级</a:t>
             </a:r>
           </a:p>
           <a:p>
             <a:pPr lvl="2"/>
             <a:r>
-              <a:rPr lang="zh-Hans" altLang="en-US" smtClean="0"/>
+              <a:rPr lang="zh-Hans" altLang="en-US"/>
               <a:t>第三级</a:t>
             </a:r>
           </a:p>
           <a:p>
             <a:pPr lvl="3"/>
             <a:r>
-              <a:rPr lang="zh-Hans" altLang="en-US" smtClean="0"/>
+              <a:rPr lang="zh-Hans" altLang="en-US"/>
               <a:t>第四级</a:t>
             </a:r>
           </a:p>
           <a:p>
             <a:pPr lvl="4"/>
             <a:r>
-              <a:rPr lang="zh-Hans" altLang="en-US" smtClean="0"/>
+              <a:rPr lang="zh-Hans" altLang="en-US"/>
               <a:t>第五级</a:t>
             </a:r>
             <a:endParaRPr lang="en-US" dirty="0"/>
@@ -2059,7 +2059,7 @@
           </a:ln>
           <a:extLst>
             <a:ext uri="{909E8E84-426E-40dd-AFC4-6F175D3DCCD1}">
-              <a14:hiddenFill xmlns:a14="http://schemas.microsoft.com/office/drawing/2010/main" xmlns="">
+              <a14:hiddenFill xmlns="" xmlns:a14="http://schemas.microsoft.com/office/drawing/2010/main">
                 <a:noFill/>
               </a14:hiddenFill>
             </a:ext>
@@ -2103,7 +2103,7 @@
           </a:ln>
           <a:extLst>
             <a:ext uri="{909E8E84-426E-40dd-AFC4-6F175D3DCCD1}">
-              <a14:hiddenFill xmlns:a14="http://schemas.microsoft.com/office/drawing/2010/main" xmlns="">
+              <a14:hiddenFill xmlns="" xmlns:a14="http://schemas.microsoft.com/office/drawing/2010/main">
                 <a:noFill/>
               </a14:hiddenFill>
             </a:ext>
@@ -2152,14 +2152,14 @@
           </a:ln>
           <a:extLst>
             <a:ext uri="{909E8E84-426E-40dd-AFC4-6F175D3DCCD1}">
-              <a14:hiddenFill xmlns:a14="http://schemas.microsoft.com/office/drawing/2010/main" xmlns="">
+              <a14:hiddenFill xmlns="" xmlns:a14="http://schemas.microsoft.com/office/drawing/2010/main">
                 <a:solidFill>
                   <a:srgbClr val="FFFFFF"/>
                 </a:solidFill>
               </a14:hiddenFill>
             </a:ext>
             <a:ext uri="{91240B29-F687-4f45-9708-019B960494DF}">
-              <a14:hiddenLine xmlns:a14="http://schemas.microsoft.com/office/drawing/2010/main" xmlns="" w="9525">
+              <a14:hiddenLine xmlns="" xmlns:a14="http://schemas.microsoft.com/office/drawing/2010/main" w="9525">
                 <a:solidFill>
                   <a:srgbClr val="000000"/>
                 </a:solidFill>
@@ -2198,10 +2198,9 @@
           </a:lstStyle>
           <a:p>
             <a:r>
-              <a:rPr lang="en-US" dirty="0" smtClean="0"/>
+              <a:rPr lang="en-US" dirty="0"/>
               <a:t>Click to edit Master title style</a:t>
             </a:r>
-            <a:endParaRPr lang="en-US" dirty="0"/>
           </a:p>
         </p:txBody>
       </p:sp>
@@ -2258,38 +2257,37 @@
           <a:p>
             <a:pPr lvl="0"/>
             <a:r>
-              <a:rPr lang="en-US" dirty="0" smtClean="0"/>
+              <a:rPr lang="en-US" dirty="0"/>
               <a:t>Click to edit Master text styles</a:t>
             </a:r>
           </a:p>
           <a:p>
             <a:pPr lvl="1"/>
             <a:r>
-              <a:rPr lang="en-US" dirty="0" smtClean="0"/>
+              <a:rPr lang="en-US" dirty="0"/>
               <a:t>Second level</a:t>
             </a:r>
           </a:p>
           <a:p>
             <a:pPr lvl="2"/>
             <a:r>
-              <a:rPr lang="en-US" dirty="0" smtClean="0"/>
+              <a:rPr lang="en-US" dirty="0"/>
               <a:t>Third level</a:t>
             </a:r>
           </a:p>
           <a:p>
             <a:pPr lvl="3"/>
             <a:r>
-              <a:rPr lang="en-US" dirty="0" smtClean="0"/>
+              <a:rPr lang="en-US" dirty="0"/>
               <a:t>Fourth level</a:t>
             </a:r>
           </a:p>
           <a:p>
             <a:pPr lvl="4"/>
             <a:r>
-              <a:rPr lang="en-US" dirty="0" smtClean="0"/>
+              <a:rPr lang="en-US" dirty="0"/>
               <a:t>Fifth level</a:t>
             </a:r>
-            <a:endParaRPr lang="en-US" dirty="0"/>
           </a:p>
         </p:txBody>
       </p:sp>
@@ -2369,7 +2367,7 @@
           <a:p>
             <a:pPr lvl="0"/>
             <a:r>
-              <a:rPr lang="en-US" smtClean="0"/>
+              <a:rPr lang="en-US"/>
               <a:t>Click to edit Master text styles</a:t>
             </a:r>
           </a:p>
@@ -2433,7 +2431,7 @@
           </a:ln>
           <a:extLst>
             <a:ext uri="{909E8E84-426E-40dd-AFC4-6F175D3DCCD1}">
-              <a14:hiddenFill xmlns:a14="http://schemas.microsoft.com/office/drawing/2010/main" xmlns="">
+              <a14:hiddenFill xmlns="" xmlns:a14="http://schemas.microsoft.com/office/drawing/2010/main">
                 <a:noFill/>
               </a14:hiddenFill>
             </a:ext>
@@ -2463,10 +2461,9 @@
           <a:lstStyle/>
           <a:p>
             <a:r>
-              <a:rPr lang="en-US" smtClean="0"/>
+              <a:rPr lang="en-US"/>
               <a:t>Click to edit Master title style</a:t>
             </a:r>
-            <a:endParaRPr lang="en-US"/>
           </a:p>
         </p:txBody>
       </p:sp>
@@ -2512,38 +2509,37 @@
           <a:p>
             <a:pPr lvl="0"/>
             <a:r>
-              <a:rPr lang="en-US" dirty="0" smtClean="0"/>
+              <a:rPr lang="en-US" dirty="0"/>
               <a:t>Click to edit Master text styles</a:t>
             </a:r>
           </a:p>
           <a:p>
             <a:pPr lvl="1"/>
             <a:r>
-              <a:rPr lang="en-US" dirty="0" smtClean="0"/>
+              <a:rPr lang="en-US" dirty="0"/>
               <a:t>Second level</a:t>
             </a:r>
           </a:p>
           <a:p>
             <a:pPr lvl="2"/>
             <a:r>
-              <a:rPr lang="en-US" dirty="0" smtClean="0"/>
+              <a:rPr lang="en-US" dirty="0"/>
               <a:t>Third level</a:t>
             </a:r>
           </a:p>
           <a:p>
             <a:pPr lvl="3"/>
             <a:r>
-              <a:rPr lang="en-US" dirty="0" smtClean="0"/>
+              <a:rPr lang="en-US" dirty="0"/>
               <a:t>Fourth level</a:t>
             </a:r>
           </a:p>
           <a:p>
             <a:pPr lvl="4"/>
             <a:r>
-              <a:rPr lang="en-US" dirty="0" smtClean="0"/>
+              <a:rPr lang="en-US" dirty="0"/>
               <a:t>Fifth level</a:t>
             </a:r>
-            <a:endParaRPr lang="en-US" dirty="0"/>
           </a:p>
         </p:txBody>
       </p:sp>
@@ -2638,7 +2634,7 @@
           </a:ln>
           <a:extLst>
             <a:ext uri="{909E8E84-426E-40dd-AFC4-6F175D3DCCD1}">
-              <a14:hiddenFill xmlns:a14="http://schemas.microsoft.com/office/drawing/2010/main" xmlns="">
+              <a14:hiddenFill xmlns="" xmlns:a14="http://schemas.microsoft.com/office/drawing/2010/main">
                 <a:noFill/>
               </a14:hiddenFill>
             </a:ext>
@@ -2668,10 +2664,9 @@
           <a:lstStyle/>
           <a:p>
             <a:r>
-              <a:rPr lang="en-US" smtClean="0"/>
+              <a:rPr lang="en-US"/>
               <a:t>Click to edit Master title style</a:t>
             </a:r>
-            <a:endParaRPr lang="en-US"/>
           </a:p>
         </p:txBody>
       </p:sp>
@@ -2722,38 +2717,37 @@
           <a:p>
             <a:pPr lvl="0"/>
             <a:r>
-              <a:rPr lang="en-US" dirty="0" smtClean="0"/>
+              <a:rPr lang="en-US" dirty="0"/>
               <a:t>Click to edit Master text styles</a:t>
             </a:r>
           </a:p>
           <a:p>
             <a:pPr lvl="1"/>
             <a:r>
-              <a:rPr lang="en-US" dirty="0" smtClean="0"/>
+              <a:rPr lang="en-US" dirty="0"/>
               <a:t>Second level</a:t>
             </a:r>
           </a:p>
           <a:p>
             <a:pPr lvl="2"/>
             <a:r>
-              <a:rPr lang="en-US" dirty="0" smtClean="0"/>
+              <a:rPr lang="en-US" dirty="0"/>
               <a:t>Third level</a:t>
             </a:r>
           </a:p>
           <a:p>
             <a:pPr lvl="3"/>
             <a:r>
-              <a:rPr lang="en-US" dirty="0" smtClean="0"/>
+              <a:rPr lang="en-US" dirty="0"/>
               <a:t>Fourth level</a:t>
             </a:r>
           </a:p>
           <a:p>
             <a:pPr lvl="4"/>
             <a:r>
-              <a:rPr lang="en-US" dirty="0" smtClean="0"/>
+              <a:rPr lang="en-US" dirty="0"/>
               <a:t>Fifth level</a:t>
             </a:r>
-            <a:endParaRPr lang="en-US" dirty="0"/>
           </a:p>
         </p:txBody>
       </p:sp>
@@ -2848,7 +2842,7 @@
           </a:ln>
           <a:extLst>
             <a:ext uri="{909E8E84-426E-40dd-AFC4-6F175D3DCCD1}">
-              <a14:hiddenFill xmlns:a14="http://schemas.microsoft.com/office/drawing/2010/main" xmlns="">
+              <a14:hiddenFill xmlns="" xmlns:a14="http://schemas.microsoft.com/office/drawing/2010/main">
                 <a:noFill/>
               </a14:hiddenFill>
             </a:ext>
@@ -2878,10 +2872,9 @@
           <a:lstStyle/>
           <a:p>
             <a:r>
-              <a:rPr lang="en-US" smtClean="0"/>
+              <a:rPr lang="en-US"/>
               <a:t>Click to edit Master title style</a:t>
             </a:r>
-            <a:endParaRPr lang="en-US"/>
           </a:p>
         </p:txBody>
       </p:sp>
@@ -2973,38 +2966,37 @@
           <a:p>
             <a:pPr lvl="0"/>
             <a:r>
-              <a:rPr lang="en-US" dirty="0" smtClean="0"/>
+              <a:rPr lang="en-US" dirty="0"/>
               <a:t>Click to edit Master text styles</a:t>
             </a:r>
           </a:p>
           <a:p>
             <a:pPr lvl="1"/>
             <a:r>
-              <a:rPr lang="en-US" dirty="0" smtClean="0"/>
+              <a:rPr lang="en-US" dirty="0"/>
               <a:t>Second level</a:t>
             </a:r>
           </a:p>
           <a:p>
             <a:pPr lvl="2"/>
             <a:r>
-              <a:rPr lang="en-US" dirty="0" smtClean="0"/>
+              <a:rPr lang="en-US" dirty="0"/>
               <a:t>Third level</a:t>
             </a:r>
           </a:p>
           <a:p>
             <a:pPr lvl="3"/>
             <a:r>
-              <a:rPr lang="en-US" dirty="0" smtClean="0"/>
+              <a:rPr lang="en-US" dirty="0"/>
               <a:t>Fourth level</a:t>
             </a:r>
           </a:p>
           <a:p>
             <a:pPr lvl="4"/>
             <a:r>
-              <a:rPr lang="en-US" dirty="0" smtClean="0"/>
+              <a:rPr lang="en-US" dirty="0"/>
               <a:t>Fifth level</a:t>
             </a:r>
-            <a:endParaRPr lang="en-US" dirty="0"/>
           </a:p>
         </p:txBody>
       </p:sp>
@@ -3099,7 +3091,7 @@
           </a:ln>
           <a:extLst>
             <a:ext uri="{909E8E84-426E-40dd-AFC4-6F175D3DCCD1}">
-              <a14:hiddenFill xmlns:a14="http://schemas.microsoft.com/office/drawing/2010/main" xmlns="">
+              <a14:hiddenFill xmlns="" xmlns:a14="http://schemas.microsoft.com/office/drawing/2010/main">
                 <a:noFill/>
               </a14:hiddenFill>
             </a:ext>
@@ -3148,14 +3140,14 @@
           </a:ln>
           <a:extLst>
             <a:ext uri="{909E8E84-426E-40dd-AFC4-6F175D3DCCD1}">
-              <a14:hiddenFill xmlns:a14="http://schemas.microsoft.com/office/drawing/2010/main" xmlns="">
+              <a14:hiddenFill xmlns="" xmlns:a14="http://schemas.microsoft.com/office/drawing/2010/main">
                 <a:solidFill>
                   <a:srgbClr val="FFFFFF"/>
                 </a:solidFill>
               </a14:hiddenFill>
             </a:ext>
             <a:ext uri="{91240B29-F687-4f45-9708-019B960494DF}">
-              <a14:hiddenLine xmlns:a14="http://schemas.microsoft.com/office/drawing/2010/main" xmlns="" w="9525">
+              <a14:hiddenLine xmlns="" xmlns:a14="http://schemas.microsoft.com/office/drawing/2010/main" w="9525">
                 <a:solidFill>
                   <a:srgbClr val="000000"/>
                 </a:solidFill>
@@ -3206,7 +3198,7 @@
           </a:lstStyle>
           <a:p>
             <a:r>
-              <a:rPr lang="en-US" noProof="0" dirty="0" smtClean="0">
+              <a:rPr lang="en-US" noProof="0" dirty="0">
                 <a:sym typeface="Open Sans Extrabold" charset="0"/>
               </a:rPr>
               <a:t>Click to edit Master title style</a:t>
@@ -3283,38 +3275,37 @@
           <a:p>
             <a:pPr lvl="0"/>
             <a:r>
-              <a:rPr lang="en-US" dirty="0" smtClean="0"/>
+              <a:rPr lang="en-US" dirty="0"/>
               <a:t>Click to edit Master text styles</a:t>
             </a:r>
           </a:p>
           <a:p>
             <a:pPr lvl="1"/>
             <a:r>
-              <a:rPr lang="en-US" dirty="0" smtClean="0"/>
+              <a:rPr lang="en-US" dirty="0"/>
               <a:t>Second level</a:t>
             </a:r>
           </a:p>
           <a:p>
             <a:pPr lvl="2"/>
             <a:r>
-              <a:rPr lang="en-US" dirty="0" smtClean="0"/>
+              <a:rPr lang="en-US" dirty="0"/>
               <a:t>Third level</a:t>
             </a:r>
           </a:p>
           <a:p>
             <a:pPr lvl="3"/>
             <a:r>
-              <a:rPr lang="en-US" dirty="0" smtClean="0"/>
+              <a:rPr lang="en-US" dirty="0"/>
               <a:t>Fourth level</a:t>
             </a:r>
           </a:p>
           <a:p>
             <a:pPr lvl="4"/>
             <a:r>
-              <a:rPr lang="en-US" dirty="0" smtClean="0"/>
+              <a:rPr lang="en-US" dirty="0"/>
               <a:t>Fifth level</a:t>
             </a:r>
-            <a:endParaRPr lang="en-US" dirty="0"/>
           </a:p>
         </p:txBody>
       </p:sp>
@@ -3417,7 +3408,7 @@
           </a:ln>
           <a:extLst>
             <a:ext uri="{909E8E84-426E-40dd-AFC4-6F175D3DCCD1}">
-              <a14:hiddenFill xmlns:a14="http://schemas.microsoft.com/office/drawing/2010/main" xmlns="">
+              <a14:hiddenFill xmlns="" xmlns:a14="http://schemas.microsoft.com/office/drawing/2010/main">
                 <a:noFill/>
               </a14:hiddenFill>
             </a:ext>
@@ -3466,14 +3457,14 @@
           </a:ln>
           <a:extLst>
             <a:ext uri="{909E8E84-426E-40dd-AFC4-6F175D3DCCD1}">
-              <a14:hiddenFill xmlns:a14="http://schemas.microsoft.com/office/drawing/2010/main" xmlns="">
+              <a14:hiddenFill xmlns="" xmlns:a14="http://schemas.microsoft.com/office/drawing/2010/main">
                 <a:solidFill>
                   <a:srgbClr val="FFFFFF"/>
                 </a:solidFill>
               </a14:hiddenFill>
             </a:ext>
             <a:ext uri="{91240B29-F687-4f45-9708-019B960494DF}">
-              <a14:hiddenLine xmlns:a14="http://schemas.microsoft.com/office/drawing/2010/main" xmlns="" w="9525">
+              <a14:hiddenLine xmlns="" xmlns:a14="http://schemas.microsoft.com/office/drawing/2010/main" w="9525">
                 <a:solidFill>
                   <a:srgbClr val="000000"/>
                 </a:solidFill>
@@ -3528,7 +3519,7 @@
           </a:lstStyle>
           <a:p>
             <a:r>
-              <a:rPr lang="en-US" noProof="0" dirty="0" smtClean="0">
+              <a:rPr lang="en-US" noProof="0" dirty="0">
                 <a:sym typeface="Open Sans Extrabold" charset="0"/>
               </a:rPr>
               <a:t>Click to edit Master title style</a:t>
@@ -3620,38 +3611,37 @@
           <a:p>
             <a:pPr lvl="0"/>
             <a:r>
-              <a:rPr lang="en-US" dirty="0" smtClean="0"/>
+              <a:rPr lang="en-US" dirty="0"/>
               <a:t>Click to edit Master text styles</a:t>
             </a:r>
           </a:p>
           <a:p>
             <a:pPr lvl="1"/>
             <a:r>
-              <a:rPr lang="en-US" dirty="0" smtClean="0"/>
+              <a:rPr lang="en-US" dirty="0"/>
               <a:t>Second level</a:t>
             </a:r>
           </a:p>
           <a:p>
             <a:pPr lvl="2"/>
             <a:r>
-              <a:rPr lang="en-US" dirty="0" smtClean="0"/>
+              <a:rPr lang="en-US" dirty="0"/>
               <a:t>Third level</a:t>
             </a:r>
           </a:p>
           <a:p>
             <a:pPr lvl="3"/>
             <a:r>
-              <a:rPr lang="en-US" dirty="0" smtClean="0"/>
+              <a:rPr lang="en-US" dirty="0"/>
               <a:t>Fourth level</a:t>
             </a:r>
           </a:p>
           <a:p>
             <a:pPr lvl="4"/>
             <a:r>
-              <a:rPr lang="en-US" dirty="0" smtClean="0"/>
+              <a:rPr lang="en-US" dirty="0"/>
               <a:t>Fifth level</a:t>
             </a:r>
-            <a:endParaRPr lang="en-US" dirty="0"/>
           </a:p>
         </p:txBody>
       </p:sp>
@@ -3740,10 +3730,9 @@
           <a:lstStyle/>
           <a:p>
             <a:r>
-              <a:rPr lang="en-US" dirty="0" smtClean="0"/>
+              <a:rPr lang="en-US" dirty="0"/>
               <a:t>Click to edit Master title style</a:t>
             </a:r>
-            <a:endParaRPr lang="en-US" dirty="0"/>
           </a:p>
         </p:txBody>
       </p:sp>
@@ -3809,38 +3798,37 @@
           <a:p>
             <a:pPr lvl="0"/>
             <a:r>
-              <a:rPr lang="en-US" dirty="0" smtClean="0"/>
+              <a:rPr lang="en-US" dirty="0"/>
               <a:t>Click to edit Master text styles</a:t>
             </a:r>
           </a:p>
           <a:p>
             <a:pPr lvl="1"/>
             <a:r>
-              <a:rPr lang="en-US" dirty="0" smtClean="0"/>
+              <a:rPr lang="en-US" dirty="0"/>
               <a:t>Second level</a:t>
             </a:r>
           </a:p>
           <a:p>
             <a:pPr lvl="2"/>
             <a:r>
-              <a:rPr lang="en-US" dirty="0" smtClean="0"/>
+              <a:rPr lang="en-US" dirty="0"/>
               <a:t>Third level</a:t>
             </a:r>
           </a:p>
           <a:p>
             <a:pPr lvl="3"/>
             <a:r>
-              <a:rPr lang="en-US" dirty="0" smtClean="0"/>
+              <a:rPr lang="en-US" dirty="0"/>
               <a:t>Fourth level</a:t>
             </a:r>
           </a:p>
           <a:p>
             <a:pPr lvl="4"/>
             <a:r>
-              <a:rPr lang="en-US" dirty="0" smtClean="0"/>
+              <a:rPr lang="en-US" dirty="0"/>
               <a:t>Fifth level</a:t>
             </a:r>
-            <a:endParaRPr lang="en-US" dirty="0"/>
           </a:p>
         </p:txBody>
       </p:sp>
@@ -3990,38 +3978,37 @@
           <a:p>
             <a:pPr lvl="0"/>
             <a:r>
-              <a:rPr lang="en-US" dirty="0" smtClean="0"/>
+              <a:rPr lang="en-US" dirty="0"/>
               <a:t>Click to edit Master text styles</a:t>
             </a:r>
           </a:p>
           <a:p>
             <a:pPr lvl="1"/>
             <a:r>
-              <a:rPr lang="en-US" dirty="0" smtClean="0"/>
+              <a:rPr lang="en-US" dirty="0"/>
               <a:t>Second level</a:t>
             </a:r>
           </a:p>
           <a:p>
             <a:pPr lvl="2"/>
             <a:r>
-              <a:rPr lang="en-US" dirty="0" smtClean="0"/>
+              <a:rPr lang="en-US" dirty="0"/>
               <a:t>Third level</a:t>
             </a:r>
           </a:p>
           <a:p>
             <a:pPr lvl="3"/>
             <a:r>
-              <a:rPr lang="en-US" dirty="0" smtClean="0"/>
+              <a:rPr lang="en-US" dirty="0"/>
               <a:t>Fourth level</a:t>
             </a:r>
           </a:p>
           <a:p>
             <a:pPr lvl="4"/>
             <a:r>
-              <a:rPr lang="en-US" dirty="0" smtClean="0"/>
+              <a:rPr lang="en-US" dirty="0"/>
               <a:t>Fifth level</a:t>
             </a:r>
-            <a:endParaRPr lang="en-US" dirty="0"/>
           </a:p>
         </p:txBody>
       </p:sp>
@@ -4118,7 +4105,7 @@
           </a:ln>
           <a:extLst>
             <a:ext uri="{909E8E84-426E-40dd-AFC4-6F175D3DCCD1}">
-              <a14:hiddenFill xmlns:a14="http://schemas.microsoft.com/office/drawing/2010/main" xmlns="">
+              <a14:hiddenFill xmlns="" xmlns:a14="http://schemas.microsoft.com/office/drawing/2010/main">
                 <a:noFill/>
               </a14:hiddenFill>
             </a:ext>
@@ -4148,7 +4135,7 @@
           <a:lstStyle/>
           <a:p>
             <a:r>
-              <a:rPr lang="zh-Hans" altLang="en-US" smtClean="0"/>
+              <a:rPr lang="zh-Hans" altLang="en-US"/>
               <a:t>单击此处编辑母版标题样式</a:t>
             </a:r>
             <a:endParaRPr lang="en-US"/>
@@ -4185,35 +4172,35 @@
           <a:p>
             <a:pPr lvl="0"/>
             <a:r>
-              <a:rPr lang="zh-Hans" altLang="en-US" smtClean="0"/>
+              <a:rPr lang="zh-Hans" altLang="en-US"/>
               <a:t>单击此处编辑母版文本样式</a:t>
             </a:r>
           </a:p>
           <a:p>
             <a:pPr lvl="1"/>
             <a:r>
-              <a:rPr lang="zh-Hans" altLang="en-US" smtClean="0"/>
+              <a:rPr lang="zh-Hans" altLang="en-US"/>
               <a:t>第二级</a:t>
             </a:r>
           </a:p>
           <a:p>
             <a:pPr lvl="2"/>
             <a:r>
-              <a:rPr lang="zh-Hans" altLang="en-US" smtClean="0"/>
+              <a:rPr lang="zh-Hans" altLang="en-US"/>
               <a:t>第三级</a:t>
             </a:r>
           </a:p>
           <a:p>
             <a:pPr lvl="3"/>
             <a:r>
-              <a:rPr lang="zh-Hans" altLang="en-US" smtClean="0"/>
+              <a:rPr lang="zh-Hans" altLang="en-US"/>
               <a:t>第四级</a:t>
             </a:r>
           </a:p>
           <a:p>
             <a:pPr lvl="4"/>
             <a:r>
-              <a:rPr lang="zh-Hans" altLang="en-US" smtClean="0"/>
+              <a:rPr lang="zh-Hans" altLang="en-US"/>
               <a:t>第五级</a:t>
             </a:r>
             <a:endParaRPr lang="en-US" dirty="0"/>
@@ -4311,7 +4298,7 @@
           </a:ln>
           <a:extLst>
             <a:ext uri="{909E8E84-426E-40dd-AFC4-6F175D3DCCD1}">
-              <a14:hiddenFill xmlns:a14="http://schemas.microsoft.com/office/drawing/2010/main" xmlns="">
+              <a14:hiddenFill xmlns="" xmlns:a14="http://schemas.microsoft.com/office/drawing/2010/main">
                 <a:noFill/>
               </a14:hiddenFill>
             </a:ext>
@@ -4352,7 +4339,7 @@
           </a:ln>
           <a:extLst>
             <a:ext uri="{909E8E84-426E-40dd-AFC4-6F175D3DCCD1}">
-              <a14:hiddenFill xmlns:a14="http://schemas.microsoft.com/office/drawing/2010/main" xmlns="">
+              <a14:hiddenFill xmlns="" xmlns:a14="http://schemas.microsoft.com/office/drawing/2010/main">
                 <a:noFill/>
               </a14:hiddenFill>
             </a:ext>
@@ -4391,10 +4378,9 @@
           </a:lstStyle>
           <a:p>
             <a:r>
-              <a:rPr lang="en-US" dirty="0" smtClean="0"/>
+              <a:rPr lang="en-US" dirty="0"/>
               <a:t>Click to edit Master title style</a:t>
             </a:r>
-            <a:endParaRPr lang="en-US" dirty="0"/>
           </a:p>
         </p:txBody>
       </p:sp>
@@ -4563,7 +4549,7 @@
           </a:ln>
           <a:extLst>
             <a:ext uri="{909E8E84-426E-40dd-AFC4-6F175D3DCCD1}">
-              <a14:hiddenFill xmlns:a14="http://schemas.microsoft.com/office/drawing/2010/main" xmlns="">
+              <a14:hiddenFill xmlns="" xmlns:a14="http://schemas.microsoft.com/office/drawing/2010/main">
                 <a:noFill/>
               </a14:hiddenFill>
             </a:ext>
@@ -4612,14 +4598,14 @@
           </a:ln>
           <a:extLst>
             <a:ext uri="{909E8E84-426E-40dd-AFC4-6F175D3DCCD1}">
-              <a14:hiddenFill xmlns:a14="http://schemas.microsoft.com/office/drawing/2010/main" xmlns="">
+              <a14:hiddenFill xmlns="" xmlns:a14="http://schemas.microsoft.com/office/drawing/2010/main">
                 <a:solidFill>
                   <a:srgbClr val="FFFFFF"/>
                 </a:solidFill>
               </a14:hiddenFill>
             </a:ext>
             <a:ext uri="{91240B29-F687-4f45-9708-019B960494DF}">
-              <a14:hiddenLine xmlns:a14="http://schemas.microsoft.com/office/drawing/2010/main" xmlns="" w="9525">
+              <a14:hiddenLine xmlns="" xmlns:a14="http://schemas.microsoft.com/office/drawing/2010/main" w="9525">
                 <a:solidFill>
                   <a:srgbClr val="000000"/>
                 </a:solidFill>
@@ -4662,10 +4648,9 @@
           </a:lstStyle>
           <a:p>
             <a:r>
-              <a:rPr lang="en-US" dirty="0" smtClean="0"/>
+              <a:rPr lang="en-US" dirty="0"/>
               <a:t>Click to edit Master title style</a:t>
             </a:r>
-            <a:endParaRPr lang="en-US" dirty="0"/>
           </a:p>
         </p:txBody>
       </p:sp>
@@ -4757,38 +4742,37 @@
           <a:p>
             <a:pPr lvl="0"/>
             <a:r>
-              <a:rPr lang="en-US" dirty="0" smtClean="0"/>
+              <a:rPr lang="en-US" dirty="0"/>
               <a:t>Click to edit Master text styles</a:t>
             </a:r>
           </a:p>
           <a:p>
             <a:pPr lvl="1"/>
             <a:r>
-              <a:rPr lang="en-US" dirty="0" smtClean="0"/>
+              <a:rPr lang="en-US" dirty="0"/>
               <a:t>Second level</a:t>
             </a:r>
           </a:p>
           <a:p>
             <a:pPr lvl="2"/>
             <a:r>
-              <a:rPr lang="en-US" dirty="0" smtClean="0"/>
+              <a:rPr lang="en-US" dirty="0"/>
               <a:t>Third level</a:t>
             </a:r>
           </a:p>
           <a:p>
             <a:pPr lvl="3"/>
             <a:r>
-              <a:rPr lang="en-US" dirty="0" smtClean="0"/>
+              <a:rPr lang="en-US" dirty="0"/>
               <a:t>Fourth level</a:t>
             </a:r>
           </a:p>
           <a:p>
             <a:pPr lvl="4"/>
             <a:r>
-              <a:rPr lang="en-US" dirty="0" smtClean="0"/>
+              <a:rPr lang="en-US" dirty="0"/>
               <a:t>Fifth level</a:t>
             </a:r>
-            <a:endParaRPr lang="en-US" dirty="0"/>
           </a:p>
         </p:txBody>
       </p:sp>
@@ -4850,7 +4834,7 @@
           </a:ln>
           <a:extLst>
             <a:ext uri="{909E8E84-426E-40dd-AFC4-6F175D3DCCD1}">
-              <a14:hiddenFill xmlns:a14="http://schemas.microsoft.com/office/drawing/2010/main" xmlns="">
+              <a14:hiddenFill xmlns="" xmlns:a14="http://schemas.microsoft.com/office/drawing/2010/main">
                 <a:noFill/>
               </a14:hiddenFill>
             </a:ext>
@@ -4894,7 +4878,7 @@
           </a:ln>
           <a:extLst>
             <a:ext uri="{909E8E84-426E-40dd-AFC4-6F175D3DCCD1}">
-              <a14:hiddenFill xmlns:a14="http://schemas.microsoft.com/office/drawing/2010/main" xmlns="">
+              <a14:hiddenFill xmlns="" xmlns:a14="http://schemas.microsoft.com/office/drawing/2010/main">
                 <a:noFill/>
               </a14:hiddenFill>
             </a:ext>
@@ -4943,14 +4927,14 @@
           </a:ln>
           <a:extLst>
             <a:ext uri="{909E8E84-426E-40dd-AFC4-6F175D3DCCD1}">
-              <a14:hiddenFill xmlns:a14="http://schemas.microsoft.com/office/drawing/2010/main" xmlns="">
+              <a14:hiddenFill xmlns="" xmlns:a14="http://schemas.microsoft.com/office/drawing/2010/main">
                 <a:solidFill>
                   <a:srgbClr val="FFFFFF"/>
                 </a:solidFill>
               </a14:hiddenFill>
             </a:ext>
             <a:ext uri="{91240B29-F687-4f45-9708-019B960494DF}">
-              <a14:hiddenLine xmlns:a14="http://schemas.microsoft.com/office/drawing/2010/main" xmlns="" w="9525">
+              <a14:hiddenLine xmlns="" xmlns:a14="http://schemas.microsoft.com/office/drawing/2010/main" w="9525">
                 <a:solidFill>
                   <a:srgbClr val="000000"/>
                 </a:solidFill>
@@ -4989,10 +4973,9 @@
           </a:lstStyle>
           <a:p>
             <a:r>
-              <a:rPr lang="en-US" dirty="0" smtClean="0"/>
+              <a:rPr lang="en-US" dirty="0"/>
               <a:t>Click to edit Master title style</a:t>
             </a:r>
-            <a:endParaRPr lang="en-US" dirty="0"/>
           </a:p>
         </p:txBody>
       </p:sp>
@@ -5049,38 +5032,37 @@
           <a:p>
             <a:pPr lvl="0"/>
             <a:r>
-              <a:rPr lang="en-US" dirty="0" smtClean="0"/>
+              <a:rPr lang="en-US" dirty="0"/>
               <a:t>Click to edit Master text styles</a:t>
             </a:r>
           </a:p>
           <a:p>
             <a:pPr lvl="1"/>
             <a:r>
-              <a:rPr lang="en-US" dirty="0" smtClean="0"/>
+              <a:rPr lang="en-US" dirty="0"/>
               <a:t>Second level</a:t>
             </a:r>
           </a:p>
           <a:p>
             <a:pPr lvl="2"/>
             <a:r>
-              <a:rPr lang="en-US" dirty="0" smtClean="0"/>
+              <a:rPr lang="en-US" dirty="0"/>
               <a:t>Third level</a:t>
             </a:r>
           </a:p>
           <a:p>
             <a:pPr lvl="3"/>
             <a:r>
-              <a:rPr lang="en-US" dirty="0" smtClean="0"/>
+              <a:rPr lang="en-US" dirty="0"/>
               <a:t>Fourth level</a:t>
             </a:r>
           </a:p>
           <a:p>
             <a:pPr lvl="4"/>
             <a:r>
-              <a:rPr lang="en-US" dirty="0" smtClean="0"/>
+              <a:rPr lang="en-US" dirty="0"/>
               <a:t>Fifth level</a:t>
             </a:r>
-            <a:endParaRPr lang="en-US" dirty="0"/>
           </a:p>
         </p:txBody>
       </p:sp>
@@ -5160,7 +5142,7 @@
           <a:p>
             <a:pPr lvl="0"/>
             <a:r>
-              <a:rPr lang="en-US" smtClean="0"/>
+              <a:rPr lang="en-US"/>
               <a:t>Click to edit Master text styles</a:t>
             </a:r>
           </a:p>
@@ -5224,7 +5206,7 @@
           </a:ln>
           <a:extLst>
             <a:ext uri="{909E8E84-426E-40dd-AFC4-6F175D3DCCD1}">
-              <a14:hiddenFill xmlns:a14="http://schemas.microsoft.com/office/drawing/2010/main" xmlns="">
+              <a14:hiddenFill xmlns="" xmlns:a14="http://schemas.microsoft.com/office/drawing/2010/main">
                 <a:noFill/>
               </a14:hiddenFill>
             </a:ext>
@@ -5254,10 +5236,9 @@
           <a:lstStyle/>
           <a:p>
             <a:r>
-              <a:rPr lang="en-US" smtClean="0"/>
+              <a:rPr lang="en-US"/>
               <a:t>Click to edit Master title style</a:t>
             </a:r>
-            <a:endParaRPr lang="en-US"/>
           </a:p>
         </p:txBody>
       </p:sp>
@@ -5312,38 +5293,37 @@
           <a:p>
             <a:pPr lvl="0"/>
             <a:r>
-              <a:rPr lang="en-US" dirty="0" smtClean="0"/>
+              <a:rPr lang="en-US" dirty="0"/>
               <a:t>Click to edit Master text styles</a:t>
             </a:r>
           </a:p>
           <a:p>
             <a:pPr lvl="1"/>
             <a:r>
-              <a:rPr lang="en-US" dirty="0" smtClean="0"/>
+              <a:rPr lang="en-US" dirty="0"/>
               <a:t>Second level</a:t>
             </a:r>
           </a:p>
           <a:p>
             <a:pPr lvl="2"/>
             <a:r>
-              <a:rPr lang="en-US" dirty="0" smtClean="0"/>
+              <a:rPr lang="en-US" dirty="0"/>
               <a:t>Third level</a:t>
             </a:r>
           </a:p>
           <a:p>
             <a:pPr lvl="3"/>
             <a:r>
-              <a:rPr lang="en-US" dirty="0" smtClean="0"/>
+              <a:rPr lang="en-US" dirty="0"/>
               <a:t>Fourth level</a:t>
             </a:r>
           </a:p>
           <a:p>
             <a:pPr lvl="4"/>
             <a:r>
-              <a:rPr lang="en-US" dirty="0" smtClean="0"/>
+              <a:rPr lang="en-US" dirty="0"/>
               <a:t>Fifth level</a:t>
             </a:r>
-            <a:endParaRPr lang="en-US" dirty="0"/>
           </a:p>
         </p:txBody>
       </p:sp>
@@ -5438,7 +5418,7 @@
           </a:ln>
           <a:extLst>
             <a:ext uri="{909E8E84-426E-40dd-AFC4-6F175D3DCCD1}">
-              <a14:hiddenFill xmlns:a14="http://schemas.microsoft.com/office/drawing/2010/main" xmlns="">
+              <a14:hiddenFill xmlns="" xmlns:a14="http://schemas.microsoft.com/office/drawing/2010/main">
                 <a:noFill/>
               </a14:hiddenFill>
             </a:ext>
@@ -5468,10 +5448,9 @@
           <a:lstStyle/>
           <a:p>
             <a:r>
-              <a:rPr lang="en-US" smtClean="0"/>
+              <a:rPr lang="en-US"/>
               <a:t>Click to edit Master title style</a:t>
             </a:r>
-            <a:endParaRPr lang="en-US"/>
           </a:p>
         </p:txBody>
       </p:sp>
@@ -5531,38 +5510,37 @@
           <a:p>
             <a:pPr lvl="0"/>
             <a:r>
-              <a:rPr lang="en-US" dirty="0" smtClean="0"/>
+              <a:rPr lang="en-US" dirty="0"/>
               <a:t>Click to edit Master text styles</a:t>
             </a:r>
           </a:p>
           <a:p>
             <a:pPr lvl="1"/>
             <a:r>
-              <a:rPr lang="en-US" dirty="0" smtClean="0"/>
+              <a:rPr lang="en-US" dirty="0"/>
               <a:t>Second level</a:t>
             </a:r>
           </a:p>
           <a:p>
             <a:pPr lvl="2"/>
             <a:r>
-              <a:rPr lang="en-US" dirty="0" smtClean="0"/>
+              <a:rPr lang="en-US" dirty="0"/>
               <a:t>Third level</a:t>
             </a:r>
           </a:p>
           <a:p>
             <a:pPr lvl="3"/>
             <a:r>
-              <a:rPr lang="en-US" dirty="0" smtClean="0"/>
+              <a:rPr lang="en-US" dirty="0"/>
               <a:t>Fourth level</a:t>
             </a:r>
           </a:p>
           <a:p>
             <a:pPr lvl="4"/>
             <a:r>
-              <a:rPr lang="en-US" dirty="0" smtClean="0"/>
+              <a:rPr lang="en-US" dirty="0"/>
               <a:t>Fifth level</a:t>
             </a:r>
-            <a:endParaRPr lang="en-US" dirty="0"/>
           </a:p>
         </p:txBody>
       </p:sp>
@@ -5657,7 +5635,7 @@
           </a:ln>
           <a:extLst>
             <a:ext uri="{909E8E84-426E-40dd-AFC4-6F175D3DCCD1}">
-              <a14:hiddenFill xmlns:a14="http://schemas.microsoft.com/office/drawing/2010/main" xmlns="">
+              <a14:hiddenFill xmlns="" xmlns:a14="http://schemas.microsoft.com/office/drawing/2010/main">
                 <a:noFill/>
               </a14:hiddenFill>
             </a:ext>
@@ -5687,10 +5665,9 @@
           <a:lstStyle/>
           <a:p>
             <a:r>
-              <a:rPr lang="en-US" smtClean="0"/>
+              <a:rPr lang="en-US"/>
               <a:t>Click to edit Master title style</a:t>
             </a:r>
-            <a:endParaRPr lang="en-US"/>
           </a:p>
         </p:txBody>
       </p:sp>
@@ -5782,38 +5759,37 @@
           <a:p>
             <a:pPr lvl="0"/>
             <a:r>
-              <a:rPr lang="en-US" dirty="0" smtClean="0"/>
+              <a:rPr lang="en-US" dirty="0"/>
               <a:t>Click to edit Master text styles</a:t>
             </a:r>
           </a:p>
           <a:p>
             <a:pPr lvl="1"/>
             <a:r>
-              <a:rPr lang="en-US" dirty="0" smtClean="0"/>
+              <a:rPr lang="en-US" dirty="0"/>
               <a:t>Second level</a:t>
             </a:r>
           </a:p>
           <a:p>
             <a:pPr lvl="2"/>
             <a:r>
-              <a:rPr lang="en-US" dirty="0" smtClean="0"/>
+              <a:rPr lang="en-US" dirty="0"/>
               <a:t>Third level</a:t>
             </a:r>
           </a:p>
           <a:p>
             <a:pPr lvl="3"/>
             <a:r>
-              <a:rPr lang="en-US" dirty="0" smtClean="0"/>
+              <a:rPr lang="en-US" dirty="0"/>
               <a:t>Fourth level</a:t>
             </a:r>
           </a:p>
           <a:p>
             <a:pPr lvl="4"/>
             <a:r>
-              <a:rPr lang="en-US" dirty="0" smtClean="0"/>
+              <a:rPr lang="en-US" dirty="0"/>
               <a:t>Fifth level</a:t>
             </a:r>
-            <a:endParaRPr lang="en-US" dirty="0"/>
           </a:p>
         </p:txBody>
       </p:sp>
@@ -5908,7 +5884,7 @@
           </a:ln>
           <a:extLst>
             <a:ext uri="{909E8E84-426E-40dd-AFC4-6F175D3DCCD1}">
-              <a14:hiddenFill xmlns:a14="http://schemas.microsoft.com/office/drawing/2010/main" xmlns="">
+              <a14:hiddenFill xmlns="" xmlns:a14="http://schemas.microsoft.com/office/drawing/2010/main">
                 <a:noFill/>
               </a14:hiddenFill>
             </a:ext>
@@ -5957,14 +5933,14 @@
           </a:ln>
           <a:extLst>
             <a:ext uri="{909E8E84-426E-40dd-AFC4-6F175D3DCCD1}">
-              <a14:hiddenFill xmlns:a14="http://schemas.microsoft.com/office/drawing/2010/main" xmlns="">
+              <a14:hiddenFill xmlns="" xmlns:a14="http://schemas.microsoft.com/office/drawing/2010/main">
                 <a:solidFill>
                   <a:srgbClr val="FFFFFF"/>
                 </a:solidFill>
               </a14:hiddenFill>
             </a:ext>
             <a:ext uri="{91240B29-F687-4f45-9708-019B960494DF}">
-              <a14:hiddenLine xmlns:a14="http://schemas.microsoft.com/office/drawing/2010/main" xmlns="" w="9525">
+              <a14:hiddenLine xmlns="" xmlns:a14="http://schemas.microsoft.com/office/drawing/2010/main" w="9525">
                 <a:solidFill>
                   <a:srgbClr val="000000"/>
                 </a:solidFill>
@@ -6015,7 +5991,7 @@
           </a:lstStyle>
           <a:p>
             <a:r>
-              <a:rPr lang="en-US" noProof="0" dirty="0" smtClean="0">
+              <a:rPr lang="en-US" noProof="0" dirty="0">
                 <a:sym typeface="Open Sans Extrabold" charset="0"/>
               </a:rPr>
               <a:t>Click to edit Master title style</a:t>
@@ -6092,38 +6068,37 @@
           <a:p>
             <a:pPr lvl="0"/>
             <a:r>
-              <a:rPr lang="en-US" dirty="0" smtClean="0"/>
+              <a:rPr lang="en-US" dirty="0"/>
               <a:t>Click to edit Master text styles</a:t>
             </a:r>
           </a:p>
           <a:p>
             <a:pPr lvl="1"/>
             <a:r>
-              <a:rPr lang="en-US" dirty="0" smtClean="0"/>
+              <a:rPr lang="en-US" dirty="0"/>
               <a:t>Second level</a:t>
             </a:r>
           </a:p>
           <a:p>
             <a:pPr lvl="2"/>
             <a:r>
-              <a:rPr lang="en-US" dirty="0" smtClean="0"/>
+              <a:rPr lang="en-US" dirty="0"/>
               <a:t>Third level</a:t>
             </a:r>
           </a:p>
           <a:p>
             <a:pPr lvl="3"/>
             <a:r>
-              <a:rPr lang="en-US" dirty="0" smtClean="0"/>
+              <a:rPr lang="en-US" dirty="0"/>
               <a:t>Fourth level</a:t>
             </a:r>
           </a:p>
           <a:p>
             <a:pPr lvl="4"/>
             <a:r>
-              <a:rPr lang="en-US" dirty="0" smtClean="0"/>
+              <a:rPr lang="en-US" dirty="0"/>
               <a:t>Fifth level</a:t>
             </a:r>
-            <a:endParaRPr lang="en-US" dirty="0"/>
           </a:p>
         </p:txBody>
       </p:sp>
@@ -6226,7 +6201,7 @@
           </a:ln>
           <a:extLst>
             <a:ext uri="{909E8E84-426E-40dd-AFC4-6F175D3DCCD1}">
-              <a14:hiddenFill xmlns:a14="http://schemas.microsoft.com/office/drawing/2010/main" xmlns="">
+              <a14:hiddenFill xmlns="" xmlns:a14="http://schemas.microsoft.com/office/drawing/2010/main">
                 <a:noFill/>
               </a14:hiddenFill>
             </a:ext>
@@ -6275,14 +6250,14 @@
           </a:ln>
           <a:extLst>
             <a:ext uri="{909E8E84-426E-40dd-AFC4-6F175D3DCCD1}">
-              <a14:hiddenFill xmlns:a14="http://schemas.microsoft.com/office/drawing/2010/main" xmlns="">
+              <a14:hiddenFill xmlns="" xmlns:a14="http://schemas.microsoft.com/office/drawing/2010/main">
                 <a:solidFill>
                   <a:srgbClr val="FFFFFF"/>
                 </a:solidFill>
               </a14:hiddenFill>
             </a:ext>
             <a:ext uri="{91240B29-F687-4f45-9708-019B960494DF}">
-              <a14:hiddenLine xmlns:a14="http://schemas.microsoft.com/office/drawing/2010/main" xmlns="" w="9525">
+              <a14:hiddenLine xmlns="" xmlns:a14="http://schemas.microsoft.com/office/drawing/2010/main" w="9525">
                 <a:solidFill>
                   <a:srgbClr val="000000"/>
                 </a:solidFill>
@@ -6337,7 +6312,7 @@
           </a:lstStyle>
           <a:p>
             <a:r>
-              <a:rPr lang="en-US" noProof="0" dirty="0" smtClean="0">
+              <a:rPr lang="en-US" noProof="0" dirty="0">
                 <a:sym typeface="Open Sans Extrabold" charset="0"/>
               </a:rPr>
               <a:t>Click to edit Master title style</a:t>
@@ -6429,38 +6404,37 @@
           <a:p>
             <a:pPr lvl="0"/>
             <a:r>
-              <a:rPr lang="en-US" dirty="0" smtClean="0"/>
+              <a:rPr lang="en-US" dirty="0"/>
               <a:t>Click to edit Master text styles</a:t>
             </a:r>
           </a:p>
           <a:p>
             <a:pPr lvl="1"/>
             <a:r>
-              <a:rPr lang="en-US" dirty="0" smtClean="0"/>
+              <a:rPr lang="en-US" dirty="0"/>
               <a:t>Second level</a:t>
             </a:r>
           </a:p>
           <a:p>
             <a:pPr lvl="2"/>
             <a:r>
-              <a:rPr lang="en-US" dirty="0" smtClean="0"/>
+              <a:rPr lang="en-US" dirty="0"/>
               <a:t>Third level</a:t>
             </a:r>
           </a:p>
           <a:p>
             <a:pPr lvl="3"/>
             <a:r>
-              <a:rPr lang="en-US" dirty="0" smtClean="0"/>
+              <a:rPr lang="en-US" dirty="0"/>
               <a:t>Fourth level</a:t>
             </a:r>
           </a:p>
           <a:p>
             <a:pPr lvl="4"/>
             <a:r>
-              <a:rPr lang="en-US" dirty="0" smtClean="0"/>
+              <a:rPr lang="en-US" dirty="0"/>
               <a:t>Fifth level</a:t>
             </a:r>
-            <a:endParaRPr lang="en-US" dirty="0"/>
           </a:p>
         </p:txBody>
       </p:sp>
@@ -6549,10 +6523,9 @@
           <a:lstStyle/>
           <a:p>
             <a:r>
-              <a:rPr lang="en-US" dirty="0" smtClean="0"/>
+              <a:rPr lang="en-US" dirty="0"/>
               <a:t>Click to edit Master title style</a:t>
             </a:r>
-            <a:endParaRPr lang="en-US" dirty="0"/>
           </a:p>
         </p:txBody>
       </p:sp>
@@ -6624,38 +6597,37 @@
           <a:p>
             <a:pPr lvl="0"/>
             <a:r>
-              <a:rPr lang="en-US" dirty="0" smtClean="0"/>
+              <a:rPr lang="en-US" dirty="0"/>
               <a:t>Click to edit Master text styles</a:t>
             </a:r>
           </a:p>
           <a:p>
             <a:pPr lvl="1"/>
             <a:r>
-              <a:rPr lang="en-US" dirty="0" smtClean="0"/>
+              <a:rPr lang="en-US" dirty="0"/>
               <a:t>Second level</a:t>
             </a:r>
           </a:p>
           <a:p>
             <a:pPr lvl="2"/>
             <a:r>
-              <a:rPr lang="en-US" dirty="0" smtClean="0"/>
+              <a:rPr lang="en-US" dirty="0"/>
               <a:t>Third level</a:t>
             </a:r>
           </a:p>
           <a:p>
             <a:pPr lvl="3"/>
             <a:r>
-              <a:rPr lang="en-US" dirty="0" smtClean="0"/>
+              <a:rPr lang="en-US" dirty="0"/>
               <a:t>Fourth level</a:t>
             </a:r>
           </a:p>
           <a:p>
             <a:pPr lvl="4"/>
             <a:r>
-              <a:rPr lang="en-US" dirty="0" smtClean="0"/>
+              <a:rPr lang="en-US" dirty="0"/>
               <a:t>Fifth level</a:t>
             </a:r>
-            <a:endParaRPr lang="en-US" dirty="0"/>
           </a:p>
         </p:txBody>
       </p:sp>
@@ -6752,7 +6724,7 @@
           </a:ln>
           <a:extLst>
             <a:ext uri="{909E8E84-426E-40dd-AFC4-6F175D3DCCD1}">
-              <a14:hiddenFill xmlns:a14="http://schemas.microsoft.com/office/drawing/2010/main" xmlns="">
+              <a14:hiddenFill xmlns="" xmlns:a14="http://schemas.microsoft.com/office/drawing/2010/main">
                 <a:noFill/>
               </a14:hiddenFill>
             </a:ext>
@@ -6782,7 +6754,7 @@
           <a:lstStyle/>
           <a:p>
             <a:r>
-              <a:rPr lang="zh-Hans" altLang="en-US" smtClean="0"/>
+              <a:rPr lang="zh-Hans" altLang="en-US"/>
               <a:t>单击此处编辑母版标题样式</a:t>
             </a:r>
             <a:endParaRPr lang="en-US"/>
@@ -6824,35 +6796,35 @@
           <a:p>
             <a:pPr lvl="0"/>
             <a:r>
-              <a:rPr lang="zh-Hans" altLang="en-US" smtClean="0"/>
+              <a:rPr lang="zh-Hans" altLang="en-US"/>
               <a:t>单击此处编辑母版文本样式</a:t>
             </a:r>
           </a:p>
           <a:p>
             <a:pPr lvl="1"/>
             <a:r>
-              <a:rPr lang="zh-Hans" altLang="en-US" smtClean="0"/>
+              <a:rPr lang="zh-Hans" altLang="en-US"/>
               <a:t>第二级</a:t>
             </a:r>
           </a:p>
           <a:p>
             <a:pPr lvl="2"/>
             <a:r>
-              <a:rPr lang="zh-Hans" altLang="en-US" smtClean="0"/>
+              <a:rPr lang="zh-Hans" altLang="en-US"/>
               <a:t>第三级</a:t>
             </a:r>
           </a:p>
           <a:p>
             <a:pPr lvl="3"/>
             <a:r>
-              <a:rPr lang="zh-Hans" altLang="en-US" smtClean="0"/>
+              <a:rPr lang="zh-Hans" altLang="en-US"/>
               <a:t>第四级</a:t>
             </a:r>
           </a:p>
           <a:p>
             <a:pPr lvl="4"/>
             <a:r>
-              <a:rPr lang="zh-Hans" altLang="en-US" smtClean="0"/>
+              <a:rPr lang="zh-Hans" altLang="en-US"/>
               <a:t>第五级</a:t>
             </a:r>
             <a:endParaRPr lang="en-US" dirty="0"/>
@@ -7003,38 +6975,37 @@
           <a:p>
             <a:pPr lvl="0"/>
             <a:r>
-              <a:rPr lang="en-US" dirty="0" smtClean="0"/>
+              <a:rPr lang="en-US" dirty="0"/>
               <a:t>Click to edit Master text styles</a:t>
             </a:r>
           </a:p>
           <a:p>
             <a:pPr lvl="1"/>
             <a:r>
-              <a:rPr lang="en-US" dirty="0" smtClean="0"/>
+              <a:rPr lang="en-US" dirty="0"/>
               <a:t>Second level</a:t>
             </a:r>
           </a:p>
           <a:p>
             <a:pPr lvl="2"/>
             <a:r>
-              <a:rPr lang="en-US" dirty="0" smtClean="0"/>
+              <a:rPr lang="en-US" dirty="0"/>
               <a:t>Third level</a:t>
             </a:r>
           </a:p>
           <a:p>
             <a:pPr lvl="3"/>
             <a:r>
-              <a:rPr lang="en-US" dirty="0" smtClean="0"/>
+              <a:rPr lang="en-US" dirty="0"/>
               <a:t>Fourth level</a:t>
             </a:r>
           </a:p>
           <a:p>
             <a:pPr lvl="4"/>
             <a:r>
-              <a:rPr lang="en-US" dirty="0" smtClean="0"/>
+              <a:rPr lang="en-US" dirty="0"/>
               <a:t>Fifth level</a:t>
             </a:r>
-            <a:endParaRPr lang="en-US" dirty="0"/>
           </a:p>
         </p:txBody>
       </p:sp>
@@ -7131,7 +7102,7 @@
           </a:ln>
           <a:extLst>
             <a:ext uri="{909E8E84-426E-40dd-AFC4-6F175D3DCCD1}">
-              <a14:hiddenFill xmlns:a14="http://schemas.microsoft.com/office/drawing/2010/main" xmlns="">
+              <a14:hiddenFill xmlns="" xmlns:a14="http://schemas.microsoft.com/office/drawing/2010/main">
                 <a:noFill/>
               </a14:hiddenFill>
             </a:ext>
@@ -7172,7 +7143,7 @@
           </a:ln>
           <a:extLst>
             <a:ext uri="{909E8E84-426E-40dd-AFC4-6F175D3DCCD1}">
-              <a14:hiddenFill xmlns:a14="http://schemas.microsoft.com/office/drawing/2010/main" xmlns="">
+              <a14:hiddenFill xmlns="" xmlns:a14="http://schemas.microsoft.com/office/drawing/2010/main">
                 <a:noFill/>
               </a14:hiddenFill>
             </a:ext>
@@ -7211,10 +7182,9 @@
           </a:lstStyle>
           <a:p>
             <a:r>
-              <a:rPr lang="en-US" dirty="0" smtClean="0"/>
+              <a:rPr lang="en-US" dirty="0"/>
               <a:t>Click to edit Master title style</a:t>
             </a:r>
-            <a:endParaRPr lang="en-US" dirty="0"/>
           </a:p>
         </p:txBody>
       </p:sp>
@@ -7383,7 +7353,7 @@
           </a:ln>
           <a:extLst>
             <a:ext uri="{909E8E84-426E-40dd-AFC4-6F175D3DCCD1}">
-              <a14:hiddenFill xmlns:a14="http://schemas.microsoft.com/office/drawing/2010/main" xmlns="">
+              <a14:hiddenFill xmlns="" xmlns:a14="http://schemas.microsoft.com/office/drawing/2010/main">
                 <a:noFill/>
               </a14:hiddenFill>
             </a:ext>
@@ -7432,14 +7402,14 @@
           </a:ln>
           <a:extLst>
             <a:ext uri="{909E8E84-426E-40dd-AFC4-6F175D3DCCD1}">
-              <a14:hiddenFill xmlns:a14="http://schemas.microsoft.com/office/drawing/2010/main" xmlns="">
+              <a14:hiddenFill xmlns="" xmlns:a14="http://schemas.microsoft.com/office/drawing/2010/main">
                 <a:solidFill>
                   <a:srgbClr val="FFFFFF"/>
                 </a:solidFill>
               </a14:hiddenFill>
             </a:ext>
             <a:ext uri="{91240B29-F687-4f45-9708-019B960494DF}">
-              <a14:hiddenLine xmlns:a14="http://schemas.microsoft.com/office/drawing/2010/main" xmlns="" w="9525">
+              <a14:hiddenLine xmlns="" xmlns:a14="http://schemas.microsoft.com/office/drawing/2010/main" w="9525">
                 <a:solidFill>
                   <a:srgbClr val="000000"/>
                 </a:solidFill>
@@ -7482,10 +7452,9 @@
           </a:lstStyle>
           <a:p>
             <a:r>
-              <a:rPr lang="en-US" dirty="0" smtClean="0"/>
+              <a:rPr lang="en-US" dirty="0"/>
               <a:t>Click to edit Master title style</a:t>
             </a:r>
-            <a:endParaRPr lang="en-US" dirty="0"/>
           </a:p>
         </p:txBody>
       </p:sp>
@@ -7577,38 +7546,37 @@
           <a:p>
             <a:pPr lvl="0"/>
             <a:r>
-              <a:rPr lang="en-US" dirty="0" smtClean="0"/>
+              <a:rPr lang="en-US" dirty="0"/>
               <a:t>Click to edit Master text styles</a:t>
             </a:r>
           </a:p>
           <a:p>
             <a:pPr lvl="1"/>
             <a:r>
-              <a:rPr lang="en-US" dirty="0" smtClean="0"/>
+              <a:rPr lang="en-US" dirty="0"/>
               <a:t>Second level</a:t>
             </a:r>
           </a:p>
           <a:p>
             <a:pPr lvl="2"/>
             <a:r>
-              <a:rPr lang="en-US" dirty="0" smtClean="0"/>
+              <a:rPr lang="en-US" dirty="0"/>
               <a:t>Third level</a:t>
             </a:r>
           </a:p>
           <a:p>
             <a:pPr lvl="3"/>
             <a:r>
-              <a:rPr lang="en-US" dirty="0" smtClean="0"/>
+              <a:rPr lang="en-US" dirty="0"/>
               <a:t>Fourth level</a:t>
             </a:r>
           </a:p>
           <a:p>
             <a:pPr lvl="4"/>
             <a:r>
-              <a:rPr lang="en-US" dirty="0" smtClean="0"/>
+              <a:rPr lang="en-US" dirty="0"/>
               <a:t>Fifth level</a:t>
             </a:r>
-            <a:endParaRPr lang="en-US" dirty="0"/>
           </a:p>
         </p:txBody>
       </p:sp>
@@ -7670,7 +7638,7 @@
           </a:ln>
           <a:extLst>
             <a:ext uri="{909E8E84-426E-40dd-AFC4-6F175D3DCCD1}">
-              <a14:hiddenFill xmlns:a14="http://schemas.microsoft.com/office/drawing/2010/main" xmlns="">
+              <a14:hiddenFill xmlns="" xmlns:a14="http://schemas.microsoft.com/office/drawing/2010/main">
                 <a:noFill/>
               </a14:hiddenFill>
             </a:ext>
@@ -7700,7 +7668,7 @@
           <a:lstStyle/>
           <a:p>
             <a:r>
-              <a:rPr lang="zh-Hans" altLang="en-US" smtClean="0"/>
+              <a:rPr lang="zh-Hans" altLang="en-US"/>
               <a:t>单击此处编辑母版标题样式</a:t>
             </a:r>
             <a:endParaRPr lang="en-US"/>
@@ -7795,35 +7763,35 @@
           <a:p>
             <a:pPr lvl="0"/>
             <a:r>
-              <a:rPr lang="zh-Hans" altLang="en-US" smtClean="0"/>
+              <a:rPr lang="zh-Hans" altLang="en-US"/>
               <a:t>单击此处编辑母版文本样式</a:t>
             </a:r>
           </a:p>
           <a:p>
             <a:pPr lvl="1"/>
             <a:r>
-              <a:rPr lang="zh-Hans" altLang="en-US" smtClean="0"/>
+              <a:rPr lang="zh-Hans" altLang="en-US"/>
               <a:t>第二级</a:t>
             </a:r>
           </a:p>
           <a:p>
             <a:pPr lvl="2"/>
             <a:r>
-              <a:rPr lang="zh-Hans" altLang="en-US" smtClean="0"/>
+              <a:rPr lang="zh-Hans" altLang="en-US"/>
               <a:t>第三级</a:t>
             </a:r>
           </a:p>
           <a:p>
             <a:pPr lvl="3"/>
             <a:r>
-              <a:rPr lang="zh-Hans" altLang="en-US" smtClean="0"/>
+              <a:rPr lang="zh-Hans" altLang="en-US"/>
               <a:t>第四级</a:t>
             </a:r>
           </a:p>
           <a:p>
             <a:pPr lvl="4"/>
             <a:r>
-              <a:rPr lang="zh-Hans" altLang="en-US" smtClean="0"/>
+              <a:rPr lang="zh-Hans" altLang="en-US"/>
               <a:t>第五级</a:t>
             </a:r>
             <a:endParaRPr lang="en-US" dirty="0"/>
@@ -7921,7 +7889,7 @@
           </a:ln>
           <a:extLst>
             <a:ext uri="{909E8E84-426E-40dd-AFC4-6F175D3DCCD1}">
-              <a14:hiddenFill xmlns:a14="http://schemas.microsoft.com/office/drawing/2010/main" xmlns="">
+              <a14:hiddenFill xmlns="" xmlns:a14="http://schemas.microsoft.com/office/drawing/2010/main">
                 <a:noFill/>
               </a14:hiddenFill>
             </a:ext>
@@ -7970,14 +7938,14 @@
           </a:ln>
           <a:extLst>
             <a:ext uri="{909E8E84-426E-40dd-AFC4-6F175D3DCCD1}">
-              <a14:hiddenFill xmlns:a14="http://schemas.microsoft.com/office/drawing/2010/main" xmlns="">
+              <a14:hiddenFill xmlns="" xmlns:a14="http://schemas.microsoft.com/office/drawing/2010/main">
                 <a:solidFill>
                   <a:srgbClr val="FFFFFF"/>
                 </a:solidFill>
               </a14:hiddenFill>
             </a:ext>
             <a:ext uri="{91240B29-F687-4f45-9708-019B960494DF}">
-              <a14:hiddenLine xmlns:a14="http://schemas.microsoft.com/office/drawing/2010/main" xmlns="" w="9525">
+              <a14:hiddenLine xmlns="" xmlns:a14="http://schemas.microsoft.com/office/drawing/2010/main" w="9525">
                 <a:solidFill>
                   <a:srgbClr val="000000"/>
                 </a:solidFill>
@@ -8028,7 +7996,7 @@
           </a:lstStyle>
           <a:p>
             <a:r>
-              <a:rPr lang="zh-Hans" altLang="en-US" noProof="0" smtClean="0">
+              <a:rPr lang="zh-Hans" altLang="en-US" noProof="0">
                 <a:sym typeface="Open Sans Extrabold" charset="0"/>
               </a:rPr>
               <a:t>单击此处编辑母版标题样式</a:t>
@@ -8105,35 +8073,35 @@
           <a:p>
             <a:pPr lvl="0"/>
             <a:r>
-              <a:rPr lang="zh-Hans" altLang="en-US" smtClean="0"/>
+              <a:rPr lang="zh-Hans" altLang="en-US"/>
               <a:t>单击此处编辑母版文本样式</a:t>
             </a:r>
           </a:p>
           <a:p>
             <a:pPr lvl="1"/>
             <a:r>
-              <a:rPr lang="zh-Hans" altLang="en-US" smtClean="0"/>
+              <a:rPr lang="zh-Hans" altLang="en-US"/>
               <a:t>第二级</a:t>
             </a:r>
           </a:p>
           <a:p>
             <a:pPr lvl="2"/>
             <a:r>
-              <a:rPr lang="zh-Hans" altLang="en-US" smtClean="0"/>
+              <a:rPr lang="zh-Hans" altLang="en-US"/>
               <a:t>第三级</a:t>
             </a:r>
           </a:p>
           <a:p>
             <a:pPr lvl="3"/>
             <a:r>
-              <a:rPr lang="zh-Hans" altLang="en-US" smtClean="0"/>
+              <a:rPr lang="zh-Hans" altLang="en-US"/>
               <a:t>第四级</a:t>
             </a:r>
           </a:p>
           <a:p>
             <a:pPr lvl="4"/>
             <a:r>
-              <a:rPr lang="zh-Hans" altLang="en-US" smtClean="0"/>
+              <a:rPr lang="zh-Hans" altLang="en-US"/>
               <a:t>第五级</a:t>
             </a:r>
             <a:endParaRPr lang="en-US" dirty="0"/>
@@ -8239,7 +8207,7 @@
           </a:ln>
           <a:extLst>
             <a:ext uri="{909E8E84-426E-40dd-AFC4-6F175D3DCCD1}">
-              <a14:hiddenFill xmlns:a14="http://schemas.microsoft.com/office/drawing/2010/main" xmlns="">
+              <a14:hiddenFill xmlns="" xmlns:a14="http://schemas.microsoft.com/office/drawing/2010/main">
                 <a:noFill/>
               </a14:hiddenFill>
             </a:ext>
@@ -8288,14 +8256,14 @@
           </a:ln>
           <a:extLst>
             <a:ext uri="{909E8E84-426E-40dd-AFC4-6F175D3DCCD1}">
-              <a14:hiddenFill xmlns:a14="http://schemas.microsoft.com/office/drawing/2010/main" xmlns="">
+              <a14:hiddenFill xmlns="" xmlns:a14="http://schemas.microsoft.com/office/drawing/2010/main">
                 <a:solidFill>
                   <a:srgbClr val="FFFFFF"/>
                 </a:solidFill>
               </a14:hiddenFill>
             </a:ext>
             <a:ext uri="{91240B29-F687-4f45-9708-019B960494DF}">
-              <a14:hiddenLine xmlns:a14="http://schemas.microsoft.com/office/drawing/2010/main" xmlns="" w="9525">
+              <a14:hiddenLine xmlns="" xmlns:a14="http://schemas.microsoft.com/office/drawing/2010/main" w="9525">
                 <a:solidFill>
                   <a:srgbClr val="000000"/>
                 </a:solidFill>
@@ -8350,7 +8318,7 @@
           </a:lstStyle>
           <a:p>
             <a:r>
-              <a:rPr lang="zh-Hans" altLang="en-US" noProof="0" smtClean="0">
+              <a:rPr lang="zh-Hans" altLang="en-US" noProof="0">
                 <a:sym typeface="Open Sans Extrabold" charset="0"/>
               </a:rPr>
               <a:t>单击此处编辑母版标题样式</a:t>
@@ -8442,35 +8410,35 @@
           <a:p>
             <a:pPr lvl="0"/>
             <a:r>
-              <a:rPr lang="zh-Hans" altLang="en-US" smtClean="0"/>
+              <a:rPr lang="zh-Hans" altLang="en-US"/>
               <a:t>单击此处编辑母版文本样式</a:t>
             </a:r>
           </a:p>
           <a:p>
             <a:pPr lvl="1"/>
             <a:r>
-              <a:rPr lang="zh-Hans" altLang="en-US" smtClean="0"/>
+              <a:rPr lang="zh-Hans" altLang="en-US"/>
               <a:t>第二级</a:t>
             </a:r>
           </a:p>
           <a:p>
             <a:pPr lvl="2"/>
             <a:r>
-              <a:rPr lang="zh-Hans" altLang="en-US" smtClean="0"/>
+              <a:rPr lang="zh-Hans" altLang="en-US"/>
               <a:t>第三级</a:t>
             </a:r>
           </a:p>
           <a:p>
             <a:pPr lvl="3"/>
             <a:r>
-              <a:rPr lang="zh-Hans" altLang="en-US" smtClean="0"/>
+              <a:rPr lang="zh-Hans" altLang="en-US"/>
               <a:t>第四级</a:t>
             </a:r>
           </a:p>
           <a:p>
             <a:pPr lvl="4"/>
             <a:r>
-              <a:rPr lang="zh-Hans" altLang="en-US" smtClean="0"/>
+              <a:rPr lang="zh-Hans" altLang="en-US"/>
               <a:t>第五级</a:t>
             </a:r>
             <a:endParaRPr lang="en-US" dirty="0"/>
@@ -8562,7 +8530,7 @@
           <a:lstStyle/>
           <a:p>
             <a:r>
-              <a:rPr lang="zh-Hans" altLang="en-US" smtClean="0"/>
+              <a:rPr lang="zh-Hans" altLang="en-US"/>
               <a:t>单击此处编辑母版标题样式</a:t>
             </a:r>
             <a:endParaRPr lang="en-US" dirty="0"/>
@@ -8622,35 +8590,35 @@
           <a:p>
             <a:pPr lvl="0"/>
             <a:r>
-              <a:rPr lang="zh-Hans" altLang="en-US" smtClean="0"/>
+              <a:rPr lang="zh-Hans" altLang="en-US"/>
               <a:t>单击此处编辑母版文本样式</a:t>
             </a:r>
           </a:p>
           <a:p>
             <a:pPr lvl="1"/>
             <a:r>
-              <a:rPr lang="zh-Hans" altLang="en-US" smtClean="0"/>
+              <a:rPr lang="zh-Hans" altLang="en-US"/>
               <a:t>第二级</a:t>
             </a:r>
           </a:p>
           <a:p>
             <a:pPr lvl="2"/>
             <a:r>
-              <a:rPr lang="zh-Hans" altLang="en-US" smtClean="0"/>
+              <a:rPr lang="zh-Hans" altLang="en-US"/>
               <a:t>第三级</a:t>
             </a:r>
           </a:p>
           <a:p>
             <a:pPr lvl="3"/>
             <a:r>
-              <a:rPr lang="zh-Hans" altLang="en-US" smtClean="0"/>
+              <a:rPr lang="zh-Hans" altLang="en-US"/>
               <a:t>第四级</a:t>
             </a:r>
           </a:p>
           <a:p>
             <a:pPr lvl="4"/>
             <a:r>
-              <a:rPr lang="zh-Hans" altLang="en-US" smtClean="0"/>
+              <a:rPr lang="zh-Hans" altLang="en-US"/>
               <a:t>第五级</a:t>
             </a:r>
             <a:endParaRPr lang="en-US" dirty="0"/>
@@ -8803,35 +8771,35 @@
           <a:p>
             <a:pPr lvl="0"/>
             <a:r>
-              <a:rPr lang="zh-Hans" altLang="en-US" smtClean="0"/>
+              <a:rPr lang="zh-Hans" altLang="en-US"/>
               <a:t>单击此处编辑母版文本样式</a:t>
             </a:r>
           </a:p>
           <a:p>
             <a:pPr lvl="1"/>
             <a:r>
-              <a:rPr lang="zh-Hans" altLang="en-US" smtClean="0"/>
+              <a:rPr lang="zh-Hans" altLang="en-US"/>
               <a:t>第二级</a:t>
             </a:r>
           </a:p>
           <a:p>
             <a:pPr lvl="2"/>
             <a:r>
-              <a:rPr lang="zh-Hans" altLang="en-US" smtClean="0"/>
+              <a:rPr lang="zh-Hans" altLang="en-US"/>
               <a:t>第三级</a:t>
             </a:r>
           </a:p>
           <a:p>
             <a:pPr lvl="3"/>
             <a:r>
-              <a:rPr lang="zh-Hans" altLang="en-US" smtClean="0"/>
+              <a:rPr lang="zh-Hans" altLang="en-US"/>
               <a:t>第四级</a:t>
             </a:r>
           </a:p>
           <a:p>
             <a:pPr lvl="4"/>
             <a:r>
-              <a:rPr lang="zh-Hans" altLang="en-US" smtClean="0"/>
+              <a:rPr lang="zh-Hans" altLang="en-US"/>
               <a:t>第五级</a:t>
             </a:r>
             <a:endParaRPr lang="en-US" dirty="0"/>
@@ -8931,7 +8899,7 @@
           </a:ln>
           <a:extLst>
             <a:ext uri="{909E8E84-426E-40dd-AFC4-6F175D3DCCD1}">
-              <a14:hiddenFill xmlns:a14="http://schemas.microsoft.com/office/drawing/2010/main" xmlns="">
+              <a14:hiddenFill xmlns="" xmlns:a14="http://schemas.microsoft.com/office/drawing/2010/main">
                 <a:noFill/>
               </a14:hiddenFill>
             </a:ext>
@@ -8972,7 +8940,7 @@
           </a:ln>
           <a:extLst>
             <a:ext uri="{909E8E84-426E-40dd-AFC4-6F175D3DCCD1}">
-              <a14:hiddenFill xmlns:a14="http://schemas.microsoft.com/office/drawing/2010/main" xmlns="">
+              <a14:hiddenFill xmlns="" xmlns:a14="http://schemas.microsoft.com/office/drawing/2010/main">
                 <a:noFill/>
               </a14:hiddenFill>
             </a:ext>
@@ -9011,7 +8979,7 @@
           </a:lstStyle>
           <a:p>
             <a:r>
-              <a:rPr lang="zh-Hans" altLang="en-US" smtClean="0"/>
+              <a:rPr lang="zh-Hans" altLang="en-US"/>
               <a:t>单击此处编辑母版标题样式</a:t>
             </a:r>
             <a:endParaRPr lang="en-US" dirty="0"/>
@@ -9115,17 +9083,17 @@
           <a:effectLst/>
           <a:extLst>
             <a:ext uri="{FAA26D3D-D897-4be2-8F04-BA451C77F1D7}">
-              <ma14:placeholderFlag xmlns="" xmlns:ma14="http://schemas.microsoft.com/office/mac/drawingml/2011/main" val="1"/>
+              <ma14:placeholderFlag xmlns:ma14="http://schemas.microsoft.com/office/mac/drawingml/2011/main" xmlns="" val="1"/>
             </a:ext>
             <a:ext uri="{909E8E84-426E-40dd-AFC4-6F175D3DCCD1}">
-              <a14:hiddenFill xmlns:a14="http://schemas.microsoft.com/office/drawing/2010/main" xmlns="">
+              <a14:hiddenFill xmlns="" xmlns:a14="http://schemas.microsoft.com/office/drawing/2010/main">
                 <a:solidFill>
                   <a:srgbClr val="FFFFFF"/>
                 </a:solidFill>
               </a14:hiddenFill>
             </a:ext>
             <a:ext uri="{91240B29-F687-4f45-9708-019B960494DF}">
-              <a14:hiddenLine xmlns:a14="http://schemas.microsoft.com/office/drawing/2010/main" xmlns="" w="12700">
+              <a14:hiddenLine xmlns="" xmlns:a14="http://schemas.microsoft.com/office/drawing/2010/main" w="12700">
                 <a:solidFill>
                   <a:schemeClr val="tx1"/>
                 </a:solidFill>
@@ -9135,7 +9103,7 @@
               </a14:hiddenLine>
             </a:ext>
             <a:ext uri="{AF507438-7753-43e0-B8FC-AC1667EBCBE1}">
-              <a14:hiddenEffects xmlns:a14="http://schemas.microsoft.com/office/drawing/2010/main" xmlns="">
+              <a14:hiddenEffects xmlns="" xmlns:a14="http://schemas.microsoft.com/office/drawing/2010/main">
                 <a:effectLst>
                   <a:outerShdw blurRad="63500" dist="38099" dir="2700000" algn="ctr" rotWithShape="0">
                     <a:srgbClr val="000000">
@@ -9157,7 +9125,7 @@
           <a:p>
             <a:pPr lvl="0"/>
             <a:r>
-              <a:rPr lang="zh-Hans" altLang="en-US" smtClean="0">
+              <a:rPr lang="zh-Hans" altLang="en-US">
                 <a:sym typeface="Open Sans Extrabold" charset="0"/>
               </a:rPr>
               <a:t>单击此处编辑母版标题样式</a:t>
@@ -9193,17 +9161,17 @@
           <a:effectLst/>
           <a:extLst>
             <a:ext uri="{FAA26D3D-D897-4be2-8F04-BA451C77F1D7}">
-              <ma14:placeholderFlag xmlns="" xmlns:ma14="http://schemas.microsoft.com/office/mac/drawingml/2011/main" val="1"/>
+              <ma14:placeholderFlag xmlns:ma14="http://schemas.microsoft.com/office/mac/drawingml/2011/main" xmlns="" val="1"/>
             </a:ext>
             <a:ext uri="{909E8E84-426E-40dd-AFC4-6F175D3DCCD1}">
-              <a14:hiddenFill xmlns:a14="http://schemas.microsoft.com/office/drawing/2010/main" xmlns="">
+              <a14:hiddenFill xmlns="" xmlns:a14="http://schemas.microsoft.com/office/drawing/2010/main">
                 <a:solidFill>
                   <a:srgbClr val="FFFFFF"/>
                 </a:solidFill>
               </a14:hiddenFill>
             </a:ext>
             <a:ext uri="{91240B29-F687-4f45-9708-019B960494DF}">
-              <a14:hiddenLine xmlns:a14="http://schemas.microsoft.com/office/drawing/2010/main" xmlns="" w="12700">
+              <a14:hiddenLine xmlns="" xmlns:a14="http://schemas.microsoft.com/office/drawing/2010/main" w="12700">
                 <a:solidFill>
                   <a:schemeClr val="tx1"/>
                 </a:solidFill>
@@ -9213,7 +9181,7 @@
               </a14:hiddenLine>
             </a:ext>
             <a:ext uri="{AF507438-7753-43e0-B8FC-AC1667EBCBE1}">
-              <a14:hiddenEffects xmlns:a14="http://schemas.microsoft.com/office/drawing/2010/main" xmlns="">
+              <a14:hiddenEffects xmlns="" xmlns:a14="http://schemas.microsoft.com/office/drawing/2010/main">
                 <a:effectLst>
                   <a:outerShdw blurRad="63500" dist="38099" dir="2700000" algn="ctr" rotWithShape="0">
                     <a:srgbClr val="000000">
@@ -9235,7 +9203,7 @@
           <a:p>
             <a:pPr lvl="0"/>
             <a:r>
-              <a:rPr lang="zh-Hans" altLang="en-US" smtClean="0">
+              <a:rPr lang="zh-Hans" altLang="en-US">
                 <a:sym typeface="Open Sans Light" charset="0"/>
               </a:rPr>
               <a:t>单击此处编辑母版文本样式</a:t>
@@ -9244,7 +9212,7 @@
           <a:p>
             <a:pPr lvl="1"/>
             <a:r>
-              <a:rPr lang="zh-Hans" altLang="en-US" smtClean="0">
+              <a:rPr lang="zh-Hans" altLang="en-US">
                 <a:sym typeface="Open Sans Light" charset="0"/>
               </a:rPr>
               <a:t>第二级</a:t>
@@ -9253,7 +9221,7 @@
           <a:p>
             <a:pPr lvl="2"/>
             <a:r>
-              <a:rPr lang="zh-Hans" altLang="en-US" smtClean="0">
+              <a:rPr lang="zh-Hans" altLang="en-US">
                 <a:sym typeface="Open Sans Light" charset="0"/>
               </a:rPr>
               <a:t>第三级</a:t>
@@ -9262,7 +9230,7 @@
           <a:p>
             <a:pPr lvl="3"/>
             <a:r>
-              <a:rPr lang="zh-Hans" altLang="en-US" smtClean="0">
+              <a:rPr lang="zh-Hans" altLang="en-US">
                 <a:sym typeface="Open Sans Light" charset="0"/>
               </a:rPr>
               <a:t>第四级</a:t>
@@ -9271,7 +9239,7 @@
           <a:p>
             <a:pPr lvl="4"/>
             <a:r>
-              <a:rPr lang="zh-Hans" altLang="en-US" smtClean="0">
+              <a:rPr lang="zh-Hans" altLang="en-US">
                 <a:sym typeface="Open Sans Light" charset="0"/>
               </a:rPr>
               <a:t>第五级</a:t>
@@ -9307,14 +9275,14 @@
           <a:effectLst/>
           <a:extLst>
             <a:ext uri="{909E8E84-426E-40dd-AFC4-6F175D3DCCD1}">
-              <a14:hiddenFill xmlns:a14="http://schemas.microsoft.com/office/drawing/2010/main" xmlns="">
+              <a14:hiddenFill xmlns="" xmlns:a14="http://schemas.microsoft.com/office/drawing/2010/main">
                 <a:solidFill>
                   <a:srgbClr val="FFFFFF"/>
                 </a:solidFill>
               </a14:hiddenFill>
             </a:ext>
             <a:ext uri="{91240B29-F687-4f45-9708-019B960494DF}">
-              <a14:hiddenLine xmlns:a14="http://schemas.microsoft.com/office/drawing/2010/main" xmlns="" w="12700">
+              <a14:hiddenLine xmlns="" xmlns:a14="http://schemas.microsoft.com/office/drawing/2010/main" w="12700">
                 <a:solidFill>
                   <a:schemeClr val="tx1"/>
                 </a:solidFill>
@@ -9324,7 +9292,7 @@
               </a14:hiddenLine>
             </a:ext>
             <a:ext uri="{AF507438-7753-43e0-B8FC-AC1667EBCBE1}">
-              <a14:hiddenEffects xmlns:a14="http://schemas.microsoft.com/office/drawing/2010/main" xmlns="">
+              <a14:hiddenEffects xmlns="" xmlns:a14="http://schemas.microsoft.com/office/drawing/2010/main">
                 <a:effectLst>
                   <a:outerShdw blurRad="63500" dist="38099" dir="2700000" algn="ctr" rotWithShape="0">
                     <a:srgbClr val="000000">
@@ -10010,17 +9978,17 @@
           <a:effectLst/>
           <a:extLst>
             <a:ext uri="{FAA26D3D-D897-4be2-8F04-BA451C77F1D7}">
-              <ma14:placeholderFlag xmlns="" xmlns:ma14="http://schemas.microsoft.com/office/mac/drawingml/2011/main" val="1"/>
+              <ma14:placeholderFlag xmlns:ma14="http://schemas.microsoft.com/office/mac/drawingml/2011/main" xmlns="" val="1"/>
             </a:ext>
             <a:ext uri="{909E8E84-426E-40dd-AFC4-6F175D3DCCD1}">
-              <a14:hiddenFill xmlns:a14="http://schemas.microsoft.com/office/drawing/2010/main" xmlns="">
+              <a14:hiddenFill xmlns="" xmlns:a14="http://schemas.microsoft.com/office/drawing/2010/main">
                 <a:solidFill>
                   <a:srgbClr val="FFFFFF"/>
                 </a:solidFill>
               </a14:hiddenFill>
             </a:ext>
             <a:ext uri="{91240B29-F687-4f45-9708-019B960494DF}">
-              <a14:hiddenLine xmlns:a14="http://schemas.microsoft.com/office/drawing/2010/main" xmlns="" w="12700">
+              <a14:hiddenLine xmlns="" xmlns:a14="http://schemas.microsoft.com/office/drawing/2010/main" w="12700">
                 <a:solidFill>
                   <a:schemeClr val="tx1"/>
                 </a:solidFill>
@@ -10030,7 +9998,7 @@
               </a14:hiddenLine>
             </a:ext>
             <a:ext uri="{AF507438-7753-43e0-B8FC-AC1667EBCBE1}">
-              <a14:hiddenEffects xmlns:a14="http://schemas.microsoft.com/office/drawing/2010/main" xmlns="">
+              <a14:hiddenEffects xmlns="" xmlns:a14="http://schemas.microsoft.com/office/drawing/2010/main">
                 <a:effectLst>
                   <a:outerShdw blurRad="63500" dist="38099" dir="2700000" algn="ctr" rotWithShape="0">
                     <a:srgbClr val="000000">
@@ -10085,17 +10053,17 @@
           <a:effectLst/>
           <a:extLst>
             <a:ext uri="{FAA26D3D-D897-4be2-8F04-BA451C77F1D7}">
-              <ma14:placeholderFlag xmlns="" xmlns:ma14="http://schemas.microsoft.com/office/mac/drawingml/2011/main" val="1"/>
+              <ma14:placeholderFlag xmlns:ma14="http://schemas.microsoft.com/office/mac/drawingml/2011/main" xmlns="" val="1"/>
             </a:ext>
             <a:ext uri="{909E8E84-426E-40dd-AFC4-6F175D3DCCD1}">
-              <a14:hiddenFill xmlns:a14="http://schemas.microsoft.com/office/drawing/2010/main" xmlns="">
+              <a14:hiddenFill xmlns="" xmlns:a14="http://schemas.microsoft.com/office/drawing/2010/main">
                 <a:solidFill>
                   <a:srgbClr val="FFFFFF"/>
                 </a:solidFill>
               </a14:hiddenFill>
             </a:ext>
             <a:ext uri="{91240B29-F687-4f45-9708-019B960494DF}">
-              <a14:hiddenLine xmlns:a14="http://schemas.microsoft.com/office/drawing/2010/main" xmlns="" w="12700">
+              <a14:hiddenLine xmlns="" xmlns:a14="http://schemas.microsoft.com/office/drawing/2010/main" w="12700">
                 <a:solidFill>
                   <a:schemeClr val="tx1"/>
                 </a:solidFill>
@@ -10105,7 +10073,7 @@
               </a14:hiddenLine>
             </a:ext>
             <a:ext uri="{AF507438-7753-43e0-B8FC-AC1667EBCBE1}">
-              <a14:hiddenEffects xmlns:a14="http://schemas.microsoft.com/office/drawing/2010/main" xmlns="">
+              <a14:hiddenEffects xmlns="" xmlns:a14="http://schemas.microsoft.com/office/drawing/2010/main">
                 <a:effectLst>
                   <a:outerShdw blurRad="63500" dist="38099" dir="2700000" algn="ctr" rotWithShape="0">
                     <a:srgbClr val="000000">
@@ -10196,14 +10164,14 @@
           <a:effectLst/>
           <a:extLst>
             <a:ext uri="{909E8E84-426E-40dd-AFC4-6F175D3DCCD1}">
-              <a14:hiddenFill xmlns:a14="http://schemas.microsoft.com/office/drawing/2010/main" xmlns="">
+              <a14:hiddenFill xmlns="" xmlns:a14="http://schemas.microsoft.com/office/drawing/2010/main">
                 <a:solidFill>
                   <a:srgbClr val="FFFFFF"/>
                 </a:solidFill>
               </a14:hiddenFill>
             </a:ext>
             <a:ext uri="{91240B29-F687-4f45-9708-019B960494DF}">
-              <a14:hiddenLine xmlns:a14="http://schemas.microsoft.com/office/drawing/2010/main" xmlns="" w="12700">
+              <a14:hiddenLine xmlns="" xmlns:a14="http://schemas.microsoft.com/office/drawing/2010/main" w="12700">
                 <a:solidFill>
                   <a:schemeClr val="tx1"/>
                 </a:solidFill>
@@ -10213,7 +10181,7 @@
               </a14:hiddenLine>
             </a:ext>
             <a:ext uri="{AF507438-7753-43e0-B8FC-AC1667EBCBE1}">
-              <a14:hiddenEffects xmlns:a14="http://schemas.microsoft.com/office/drawing/2010/main" xmlns="">
+              <a14:hiddenEffects xmlns="" xmlns:a14="http://schemas.microsoft.com/office/drawing/2010/main">
                 <a:effectLst>
                   <a:outerShdw blurRad="63500" dist="38099" dir="2700000" algn="ctr" rotWithShape="0">
                     <a:srgbClr val="000000">
@@ -10908,17 +10876,17 @@
           <a:effectLst/>
           <a:extLst>
             <a:ext uri="{FAA26D3D-D897-4be2-8F04-BA451C77F1D7}">
-              <ma14:placeholderFlag xmlns="" xmlns:ma14="http://schemas.microsoft.com/office/mac/drawingml/2011/main" val="1"/>
+              <ma14:placeholderFlag xmlns:ma14="http://schemas.microsoft.com/office/mac/drawingml/2011/main" xmlns="" val="1"/>
             </a:ext>
             <a:ext uri="{909E8E84-426E-40dd-AFC4-6F175D3DCCD1}">
-              <a14:hiddenFill xmlns:a14="http://schemas.microsoft.com/office/drawing/2010/main" xmlns="">
+              <a14:hiddenFill xmlns="" xmlns:a14="http://schemas.microsoft.com/office/drawing/2010/main">
                 <a:solidFill>
                   <a:srgbClr val="FFFFFF"/>
                 </a:solidFill>
               </a14:hiddenFill>
             </a:ext>
             <a:ext uri="{91240B29-F687-4f45-9708-019B960494DF}">
-              <a14:hiddenLine xmlns:a14="http://schemas.microsoft.com/office/drawing/2010/main" xmlns="" w="12700">
+              <a14:hiddenLine xmlns="" xmlns:a14="http://schemas.microsoft.com/office/drawing/2010/main" w="12700">
                 <a:solidFill>
                   <a:schemeClr val="tx1"/>
                 </a:solidFill>
@@ -10928,7 +10896,7 @@
               </a14:hiddenLine>
             </a:ext>
             <a:ext uri="{AF507438-7753-43e0-B8FC-AC1667EBCBE1}">
-              <a14:hiddenEffects xmlns:a14="http://schemas.microsoft.com/office/drawing/2010/main" xmlns="">
+              <a14:hiddenEffects xmlns="" xmlns:a14="http://schemas.microsoft.com/office/drawing/2010/main">
                 <a:effectLst>
                   <a:outerShdw blurRad="63500" dist="38099" dir="2700000" algn="ctr" rotWithShape="0">
                     <a:srgbClr val="000000">
@@ -10983,17 +10951,17 @@
           <a:effectLst/>
           <a:extLst>
             <a:ext uri="{FAA26D3D-D897-4be2-8F04-BA451C77F1D7}">
-              <ma14:placeholderFlag xmlns="" xmlns:ma14="http://schemas.microsoft.com/office/mac/drawingml/2011/main" val="1"/>
+              <ma14:placeholderFlag xmlns:ma14="http://schemas.microsoft.com/office/mac/drawingml/2011/main" xmlns="" val="1"/>
             </a:ext>
             <a:ext uri="{909E8E84-426E-40dd-AFC4-6F175D3DCCD1}">
-              <a14:hiddenFill xmlns:a14="http://schemas.microsoft.com/office/drawing/2010/main" xmlns="">
+              <a14:hiddenFill xmlns="" xmlns:a14="http://schemas.microsoft.com/office/drawing/2010/main">
                 <a:solidFill>
                   <a:srgbClr val="FFFFFF"/>
                 </a:solidFill>
               </a14:hiddenFill>
             </a:ext>
             <a:ext uri="{91240B29-F687-4f45-9708-019B960494DF}">
-              <a14:hiddenLine xmlns:a14="http://schemas.microsoft.com/office/drawing/2010/main" xmlns="" w="12700">
+              <a14:hiddenLine xmlns="" xmlns:a14="http://schemas.microsoft.com/office/drawing/2010/main" w="12700">
                 <a:solidFill>
                   <a:schemeClr val="tx1"/>
                 </a:solidFill>
@@ -11003,7 +10971,7 @@
               </a14:hiddenLine>
             </a:ext>
             <a:ext uri="{AF507438-7753-43e0-B8FC-AC1667EBCBE1}">
-              <a14:hiddenEffects xmlns:a14="http://schemas.microsoft.com/office/drawing/2010/main" xmlns="">
+              <a14:hiddenEffects xmlns="" xmlns:a14="http://schemas.microsoft.com/office/drawing/2010/main">
                 <a:effectLst>
                   <a:outerShdw blurRad="63500" dist="38099" dir="2700000" algn="ctr" rotWithShape="0">
                     <a:srgbClr val="000000">
@@ -11094,14 +11062,14 @@
           <a:effectLst/>
           <a:extLst>
             <a:ext uri="{909E8E84-426E-40dd-AFC4-6F175D3DCCD1}">
-              <a14:hiddenFill xmlns:a14="http://schemas.microsoft.com/office/drawing/2010/main" xmlns="">
+              <a14:hiddenFill xmlns="" xmlns:a14="http://schemas.microsoft.com/office/drawing/2010/main">
                 <a:solidFill>
                   <a:srgbClr val="FFFFFF"/>
                 </a:solidFill>
               </a14:hiddenFill>
             </a:ext>
             <a:ext uri="{91240B29-F687-4f45-9708-019B960494DF}">
-              <a14:hiddenLine xmlns:a14="http://schemas.microsoft.com/office/drawing/2010/main" xmlns="" w="12700">
+              <a14:hiddenLine xmlns="" xmlns:a14="http://schemas.microsoft.com/office/drawing/2010/main" w="12700">
                 <a:solidFill>
                   <a:schemeClr val="tx1"/>
                 </a:solidFill>
@@ -11111,7 +11079,7 @@
               </a14:hiddenLine>
             </a:ext>
             <a:ext uri="{AF507438-7753-43e0-B8FC-AC1667EBCBE1}">
-              <a14:hiddenEffects xmlns:a14="http://schemas.microsoft.com/office/drawing/2010/main" xmlns="">
+              <a14:hiddenEffects xmlns="" xmlns:a14="http://schemas.microsoft.com/office/drawing/2010/main">
                 <a:effectLst>
                   <a:outerShdw blurRad="63500" dist="38099" dir="2700000" algn="ctr" rotWithShape="0">
                     <a:srgbClr val="000000">
@@ -11794,7 +11762,7 @@
               <a:defRPr/>
             </a:pPr>
             <a:r>
-              <a:rPr lang="en-US" sz="9600" cap="none" dirty="0" smtClean="0">
+              <a:rPr lang="en-US" sz="9600" cap="none" dirty="0">
                 <a:latin typeface="微软雅黑" panose="020B0503020204020204" pitchFamily="34" charset="-122"/>
                 <a:ea typeface="微软雅黑" panose="020B0503020204020204" pitchFamily="34" charset="-122"/>
               </a:rPr>
@@ -11840,8 +11808,8 @@
         </p:nvSpPr>
         <p:spPr>
           <a:xfrm>
-            <a:off x="4295168" y="2673404"/>
-            <a:ext cx="4427174" cy="757130"/>
+            <a:off x="4593327" y="2673404"/>
+            <a:ext cx="3830856" cy="757130"/>
           </a:xfrm>
         </p:spPr>
         <p:txBody>
@@ -11852,11 +11820,18 @@
               <a:defRPr/>
             </a:pPr>
             <a:r>
-              <a:rPr lang="en-US" dirty="0" smtClean="0">
+              <a:rPr lang="en-US">
                 <a:latin typeface="微软雅黑" panose="020B0503020204020204" pitchFamily="34" charset="-122"/>
                 <a:ea typeface="微软雅黑" panose="020B0503020204020204" pitchFamily="34" charset="-122"/>
               </a:rPr>
-              <a:t>C++ Unit Testing</a:t>
+              <a:t>C </a:t>
+            </a:r>
+            <a:r>
+              <a:rPr lang="en-US" dirty="0">
+                <a:latin typeface="微软雅黑" panose="020B0503020204020204" pitchFamily="34" charset="-122"/>
+                <a:ea typeface="微软雅黑" panose="020B0503020204020204" pitchFamily="34" charset="-122"/>
+              </a:rPr>
+              <a:t>Unit Testing</a:t>
             </a:r>
           </a:p>
         </p:txBody>
@@ -11867,13 +11842,6 @@
     <a:masterClrMapping/>
   </p:clrMapOvr>
   <p:transition/>
-  <p:timing>
-    <p:tnLst>
-      <p:par>
-        <p:cTn id="1" dur="indefinite" restart="never" nodeType="tmRoot"/>
-      </p:par>
-    </p:tnLst>
-  </p:timing>
 </p:sld>
 </file>
 
@@ -11916,7 +11884,7 @@
           <a:p>
             <a:pPr algn="ctr"/>
             <a:r>
-              <a:rPr lang="en-US" altLang="zh-Hans" sz="4800" dirty="0" smtClean="0">
+              <a:rPr lang="en-US" altLang="zh-Hans" sz="4800" dirty="0">
                 <a:latin typeface="微软雅黑" panose="020B0503020204020204" pitchFamily="34" charset="-122"/>
                 <a:ea typeface="微软雅黑" panose="020B0503020204020204" pitchFamily="34" charset="-122"/>
               </a:rPr>
@@ -12022,7 +11990,7 @@
               <a:t>购买一些书籍来充实图书馆</a:t>
             </a:r>
             <a:r>
-              <a:rPr lang="en-US" altLang="zh-Hans" sz="3600" dirty="0" smtClean="0">
+              <a:rPr lang="en-US" altLang="zh-Hans" sz="3600" dirty="0">
                 <a:latin typeface="微软雅黑" panose="020B0503020204020204" pitchFamily="34" charset="-122"/>
                 <a:ea typeface="微软雅黑" panose="020B0503020204020204" pitchFamily="34" charset="-122"/>
               </a:rPr>
@@ -12041,7 +12009,7 @@
                 <a:schemeClr val="tx2"/>
               </a:buClr>
             </a:pPr>
-            <a:endParaRPr lang="en-US" altLang="zh-Hans" sz="800" dirty="0" smtClean="0">
+            <a:endParaRPr lang="en-US" altLang="zh-Hans" sz="800" dirty="0">
               <a:latin typeface="微软雅黑" panose="020B0503020204020204" pitchFamily="34" charset="-122"/>
               <a:ea typeface="微软雅黑" panose="020B0503020204020204" pitchFamily="34" charset="-122"/>
             </a:endParaRPr>
@@ -12108,19 +12076,9 @@
                 <a:latin typeface="微软雅黑" panose="020B0503020204020204" pitchFamily="34" charset="-122"/>
                 <a:ea typeface="微软雅黑" panose="020B0503020204020204" pitchFamily="34" charset="-122"/>
               </a:rPr>
-              <a:t>供管理员进行</a:t>
-            </a:r>
-            <a:r>
-              <a:rPr lang="zh-Hans" altLang="en-US" sz="3600" dirty="0" smtClean="0">
-                <a:solidFill>
-                  <a:srgbClr val="FF0000"/>
-                </a:solidFill>
-                <a:latin typeface="微软雅黑" panose="020B0503020204020204" pitchFamily="34" charset="-122"/>
-                <a:ea typeface="微软雅黑" panose="020B0503020204020204" pitchFamily="34" charset="-122"/>
-              </a:rPr>
-              <a:t>选择</a:t>
-            </a:r>
-            <a:endParaRPr lang="en-US" altLang="zh-Hans" sz="3600" dirty="0" smtClean="0">
+              <a:t>供管理员进行选择</a:t>
+            </a:r>
+            <a:endParaRPr lang="en-US" altLang="zh-Hans" sz="3600" dirty="0">
               <a:solidFill>
                 <a:srgbClr val="FF0000"/>
               </a:solidFill>
@@ -12170,17 +12128,7 @@
                 <a:latin typeface="微软雅黑" panose="020B0503020204020204" pitchFamily="34" charset="-122"/>
                 <a:ea typeface="微软雅黑" panose="020B0503020204020204" pitchFamily="34" charset="-122"/>
               </a:rPr>
-              <a:t>管理员仅会挑选当前图书馆中不存在的书籍进行</a:t>
-            </a:r>
-            <a:r>
-              <a:rPr lang="zh-Hans" altLang="en-US" sz="3600" dirty="0" smtClean="0">
-                <a:solidFill>
-                  <a:srgbClr val="FF0000"/>
-                </a:solidFill>
-                <a:latin typeface="微软雅黑" panose="020B0503020204020204" pitchFamily="34" charset="-122"/>
-                <a:ea typeface="微软雅黑" panose="020B0503020204020204" pitchFamily="34" charset="-122"/>
-              </a:rPr>
-              <a:t>购买</a:t>
+              <a:t>管理员仅会挑选当前图书馆中不存在的书籍进行购买</a:t>
             </a:r>
             <a:endParaRPr lang="en-US" altLang="zh-Hans" sz="3600" dirty="0">
               <a:solidFill>
@@ -12202,7 +12150,7 @@
                 <a:schemeClr val="tx2"/>
               </a:buClr>
             </a:pPr>
-            <a:endParaRPr lang="en-US" altLang="zh-Hans" sz="800" dirty="0" smtClean="0">
+            <a:endParaRPr lang="en-US" altLang="zh-Hans" sz="800" dirty="0">
               <a:latin typeface="微软雅黑" panose="020B0503020204020204" pitchFamily="34" charset="-122"/>
               <a:ea typeface="微软雅黑" panose="020B0503020204020204" pitchFamily="34" charset="-122"/>
             </a:endParaRPr>
@@ -12337,13 +12285,6 @@
     <a:masterClrMapping/>
   </p:clrMapOvr>
   <p:transition/>
-  <p:timing>
-    <p:tnLst>
-      <p:par>
-        <p:cTn id="1" dur="indefinite" restart="never" nodeType="tmRoot"/>
-      </p:par>
-    </p:tnLst>
-  </p:timing>
 </p:sld>
 </file>
 
@@ -12383,7 +12324,7 @@
               <a:defRPr/>
             </a:pPr>
             <a:r>
-              <a:rPr lang="en-US" dirty="0" smtClean="0">
+              <a:rPr lang="en-US" dirty="0">
                 <a:latin typeface="微软雅黑" panose="020B0503020204020204" pitchFamily="34" charset="-122"/>
                 <a:ea typeface="微软雅黑" panose="020B0503020204020204" pitchFamily="34" charset="-122"/>
               </a:rPr>
@@ -12411,20 +12352,20 @@
               <a:defRPr/>
             </a:pPr>
             <a:r>
-              <a:rPr lang="en-US" dirty="0" smtClean="0">
+              <a:rPr lang="en-US" dirty="0">
                 <a:latin typeface="微软雅黑" panose="020B0503020204020204" pitchFamily="34" charset="-122"/>
                 <a:ea typeface="微软雅黑" panose="020B0503020204020204" pitchFamily="34" charset="-122"/>
               </a:rPr>
               <a:t>Behavior Based </a:t>
             </a:r>
             <a:r>
-              <a:rPr lang="en-US" dirty="0" err="1" smtClean="0">
+              <a:rPr lang="en-US" dirty="0" err="1">
                 <a:latin typeface="微软雅黑" panose="020B0503020204020204" pitchFamily="34" charset="-122"/>
                 <a:ea typeface="微软雅黑" panose="020B0503020204020204" pitchFamily="34" charset="-122"/>
               </a:rPr>
               <a:t>Verfication</a:t>
             </a:r>
-            <a:endParaRPr lang="en-US" dirty="0" smtClean="0">
+            <a:endParaRPr lang="en-US" dirty="0">
               <a:latin typeface="微软雅黑" panose="020B0503020204020204" pitchFamily="34" charset="-122"/>
               <a:ea typeface="微软雅黑" panose="020B0503020204020204" pitchFamily="34" charset="-122"/>
             </a:endParaRPr>
@@ -12477,13 +12418,6 @@
     <a:masterClrMapping/>
   </p:clrMapOvr>
   <p:transition/>
-  <p:timing>
-    <p:tnLst>
-      <p:par>
-        <p:cTn id="1" dur="indefinite" restart="never" nodeType="tmRoot"/>
-      </p:par>
-    </p:tnLst>
-  </p:timing>
 </p:sld>
 </file>
 
@@ -12521,7 +12455,7 @@
           <a:p>
             <a:pPr algn="ctr"/>
             <a:r>
-              <a:rPr lang="en-US" altLang="zh-Hans" dirty="0" smtClean="0">
+              <a:rPr lang="en-US" altLang="zh-Hans" dirty="0">
                 <a:latin typeface="微软雅黑" panose="020B0503020204020204" pitchFamily="34" charset="-122"/>
                 <a:ea typeface="微软雅黑" panose="020B0503020204020204" pitchFamily="34" charset="-122"/>
               </a:rPr>
@@ -12564,14 +12498,7 @@
                 <a:latin typeface="微软雅黑" panose="020B0503020204020204" pitchFamily="34" charset="-122"/>
                 <a:ea typeface="微软雅黑" panose="020B0503020204020204" pitchFamily="34" charset="-122"/>
               </a:rPr>
-              <a:t> objects are passed around but never actually used. Usually they are just used to fill parameter </a:t>
-            </a:r>
-            <a:r>
-              <a:rPr lang="en-US" sz="3200" dirty="0" smtClean="0">
-                <a:latin typeface="微软雅黑" panose="020B0503020204020204" pitchFamily="34" charset="-122"/>
-                <a:ea typeface="微软雅黑" panose="020B0503020204020204" pitchFamily="34" charset="-122"/>
-              </a:rPr>
-              <a:t>lists</a:t>
+              <a:t> objects are passed around but never actually used. Usually they are just used to fill parameter lists</a:t>
             </a:r>
           </a:p>
           <a:p>
@@ -12596,14 +12523,7 @@
                 <a:latin typeface="微软雅黑" panose="020B0503020204020204" pitchFamily="34" charset="-122"/>
                 <a:ea typeface="微软雅黑" panose="020B0503020204020204" pitchFamily="34" charset="-122"/>
               </a:rPr>
-              <a:t> objects actually have working implementations, but usually take some shortcut which makes them not suitable for </a:t>
-            </a:r>
-            <a:r>
-              <a:rPr lang="en-US" sz="3200" dirty="0" smtClean="0">
-                <a:latin typeface="微软雅黑" panose="020B0503020204020204" pitchFamily="34" charset="-122"/>
-                <a:ea typeface="微软雅黑" panose="020B0503020204020204" pitchFamily="34" charset="-122"/>
-              </a:rPr>
-              <a:t>production</a:t>
+              <a:t> objects actually have working implementations, but usually take some shortcut which makes them not suitable for production</a:t>
             </a:r>
           </a:p>
           <a:p>
@@ -12628,18 +12548,11 @@
                 <a:latin typeface="微软雅黑" panose="020B0503020204020204" pitchFamily="34" charset="-122"/>
                 <a:ea typeface="微软雅黑" panose="020B0503020204020204" pitchFamily="34" charset="-122"/>
               </a:rPr>
-              <a:t> provide canned answers to calls made during the test, usually not responding at all to anything outside what's programmed in for the </a:t>
-            </a:r>
-            <a:r>
-              <a:rPr lang="en-US" sz="3200" dirty="0" smtClean="0">
-                <a:latin typeface="微软雅黑" panose="020B0503020204020204" pitchFamily="34" charset="-122"/>
-                <a:ea typeface="微软雅黑" panose="020B0503020204020204" pitchFamily="34" charset="-122"/>
-              </a:rPr>
-              <a:t>test</a:t>
-            </a:r>
-          </a:p>
-          <a:p>
-            <a:endParaRPr lang="en-US" sz="800" dirty="0" smtClean="0">
+              <a:t> provide canned answers to calls made during the test, usually not responding at all to anything outside what's programmed in for the test</a:t>
+            </a:r>
+          </a:p>
+          <a:p>
+            <a:endParaRPr lang="en-US" sz="800" dirty="0">
               <a:latin typeface="微软雅黑" panose="020B0503020204020204" pitchFamily="34" charset="-122"/>
               <a:ea typeface="微软雅黑" panose="020B0503020204020204" pitchFamily="34" charset="-122"/>
             </a:endParaRPr>
@@ -12660,33 +12573,8 @@
                 <a:latin typeface="微软雅黑" panose="020B0503020204020204" pitchFamily="34" charset="-122"/>
                 <a:ea typeface="微软雅黑" panose="020B0503020204020204" pitchFamily="34" charset="-122"/>
               </a:rPr>
-              <a:t> are </a:t>
-            </a:r>
-            <a:r>
-              <a:rPr lang="en-US" sz="3200" dirty="0" smtClean="0">
-                <a:latin typeface="微软雅黑" panose="020B0503020204020204" pitchFamily="34" charset="-122"/>
-                <a:ea typeface="微软雅黑" panose="020B0503020204020204" pitchFamily="34" charset="-122"/>
-              </a:rPr>
-              <a:t>objects </a:t>
-            </a:r>
-            <a:r>
-              <a:rPr lang="en-US" sz="3200" dirty="0">
-                <a:latin typeface="微软雅黑" panose="020B0503020204020204" pitchFamily="34" charset="-122"/>
-                <a:ea typeface="微软雅黑" panose="020B0503020204020204" pitchFamily="34" charset="-122"/>
-              </a:rPr>
-              <a:t>pre-programmed with expectations which form a specification of the calls they are expected to </a:t>
-            </a:r>
-            <a:r>
-              <a:rPr lang="en-US" sz="3200" dirty="0" smtClean="0">
-                <a:latin typeface="微软雅黑" panose="020B0503020204020204" pitchFamily="34" charset="-122"/>
-                <a:ea typeface="微软雅黑" panose="020B0503020204020204" pitchFamily="34" charset="-122"/>
-              </a:rPr>
-              <a:t>receive</a:t>
-            </a:r>
-            <a:endParaRPr lang="en-US" sz="3200" dirty="0">
-              <a:latin typeface="微软雅黑" panose="020B0503020204020204" pitchFamily="34" charset="-122"/>
-              <a:ea typeface="微软雅黑" panose="020B0503020204020204" pitchFamily="34" charset="-122"/>
-            </a:endParaRPr>
+              <a:t> are objects pre-programmed with expectations which form a specification of the calls they are expected to receive</a:t>
+            </a:r>
           </a:p>
           <a:p>
             <a:endParaRPr lang="zh-Hans" altLang="en-US" sz="3200" dirty="0">
@@ -12742,13 +12630,6 @@
     <a:masterClrMapping/>
   </p:clrMapOvr>
   <p:transition/>
-  <p:timing>
-    <p:tnLst>
-      <p:par>
-        <p:cTn id="1" dur="indefinite" restart="never" nodeType="tmRoot"/>
-      </p:par>
-    </p:tnLst>
-  </p:timing>
 </p:sld>
 </file>
 
@@ -12786,7 +12667,7 @@
           <a:p>
             <a:pPr algn="ctr"/>
             <a:r>
-              <a:rPr lang="en-US" altLang="zh-Hans" dirty="0" smtClean="0">
+              <a:rPr lang="en-US" altLang="zh-Hans" dirty="0">
                 <a:latin typeface="微软雅黑" panose="020B0503020204020204" pitchFamily="34" charset="-122"/>
                 <a:ea typeface="微软雅黑" panose="020B0503020204020204" pitchFamily="34" charset="-122"/>
               </a:rPr>
@@ -12816,14 +12697,14 @@
           <a:p>
             <a:pPr marL="0"/>
             <a:r>
-              <a:rPr lang="en-US" altLang="zh-Hant" sz="4400" dirty="0" smtClean="0">
+              <a:rPr lang="en-US" altLang="zh-Hant" sz="4400" dirty="0">
                 <a:latin typeface="微软雅黑" panose="020B0503020204020204" pitchFamily="34" charset="-122"/>
                 <a:ea typeface="微软雅黑" panose="020B0503020204020204" pitchFamily="34" charset="-122"/>
               </a:rPr>
               <a:t>When a mock function takes arguments, we can specify the </a:t>
             </a:r>
             <a:r>
-              <a:rPr lang="en-US" altLang="zh-Hant" sz="4400" dirty="0" smtClean="0">
+              <a:rPr lang="en-US" altLang="zh-Hant" sz="4400" dirty="0">
                 <a:solidFill>
                   <a:srgbClr val="FF0000"/>
                 </a:solidFill>
@@ -12835,28 +12716,28 @@
           </a:p>
           <a:p>
             <a:pPr marL="0"/>
-            <a:endParaRPr lang="en-US" altLang="zh-Hant" sz="4400" dirty="0" smtClean="0">
+            <a:endParaRPr lang="en-US" altLang="zh-Hant" sz="4400" dirty="0">
               <a:latin typeface="微软雅黑" panose="020B0503020204020204" pitchFamily="34" charset="-122"/>
               <a:ea typeface="微软雅黑" panose="020B0503020204020204" pitchFamily="34" charset="-122"/>
             </a:endParaRPr>
           </a:p>
           <a:p>
             <a:pPr marL="0"/>
-            <a:endParaRPr lang="en-US" altLang="zh-Hant" sz="4400" dirty="0" smtClean="0">
+            <a:endParaRPr lang="en-US" altLang="zh-Hant" sz="4400" dirty="0">
               <a:latin typeface="微软雅黑" panose="020B0503020204020204" pitchFamily="34" charset="-122"/>
               <a:ea typeface="微软雅黑" panose="020B0503020204020204" pitchFamily="34" charset="-122"/>
             </a:endParaRPr>
           </a:p>
           <a:p>
             <a:pPr marL="0"/>
-            <a:endParaRPr lang="en-US" altLang="zh-Hant" sz="4400" dirty="0" smtClean="0">
+            <a:endParaRPr lang="en-US" altLang="zh-Hant" sz="4400" dirty="0">
               <a:latin typeface="微软雅黑" panose="020B0503020204020204" pitchFamily="34" charset="-122"/>
               <a:ea typeface="微软雅黑" panose="020B0503020204020204" pitchFamily="34" charset="-122"/>
             </a:endParaRPr>
           </a:p>
           <a:p>
             <a:pPr marL="0"/>
-            <a:endParaRPr lang="en-US" altLang="zh-Hant" sz="4400" dirty="0" smtClean="0">
+            <a:endParaRPr lang="en-US" altLang="zh-Hant" sz="4400" dirty="0">
               <a:latin typeface="微软雅黑" panose="020B0503020204020204" pitchFamily="34" charset="-122"/>
               <a:ea typeface="微软雅黑" panose="020B0503020204020204" pitchFamily="34" charset="-122"/>
             </a:endParaRPr>
@@ -12864,14 +12745,14 @@
           <a:p>
             <a:pPr marL="0"/>
             <a:r>
-              <a:rPr lang="en-US" altLang="zh-Hant" sz="4000" dirty="0" smtClean="0">
+              <a:rPr lang="en-US" altLang="zh-Hant" sz="4000" dirty="0">
                 <a:latin typeface="微软雅黑" panose="020B0503020204020204" pitchFamily="34" charset="-122"/>
                 <a:ea typeface="微软雅黑" panose="020B0503020204020204" pitchFamily="34" charset="-122"/>
               </a:rPr>
               <a:t>	</a:t>
             </a:r>
             <a:r>
-              <a:rPr lang="en-US" altLang="zh-Hant" sz="4000" dirty="0" smtClean="0">
+              <a:rPr lang="en-US" altLang="zh-Hant" sz="4000" dirty="0">
                 <a:solidFill>
                   <a:srgbClr val="FF0000"/>
                 </a:solidFill>
@@ -12881,14 +12762,14 @@
               <a:t>testing::_ </a:t>
             </a:r>
             <a:r>
-              <a:rPr lang="en-US" altLang="zh-Hant" sz="4000" dirty="0" smtClean="0">
+              <a:rPr lang="en-US" altLang="zh-Hant" sz="4000" dirty="0">
                 <a:latin typeface="微软雅黑" panose="020B0503020204020204" pitchFamily="34" charset="-122"/>
                 <a:ea typeface="微软雅黑" panose="020B0503020204020204" pitchFamily="34" charset="-122"/>
               </a:rPr>
               <a:t>will match </a:t>
             </a:r>
             <a:r>
-              <a:rPr lang="en-US" altLang="zh-Hant" sz="4000" dirty="0" smtClean="0">
+              <a:rPr lang="en-US" altLang="zh-Hant" sz="4000" dirty="0">
                 <a:solidFill>
                   <a:srgbClr val="FF0000"/>
                 </a:solidFill>
@@ -12898,7 +12779,7 @@
               <a:t>any</a:t>
             </a:r>
             <a:r>
-              <a:rPr lang="en-US" altLang="zh-Hant" sz="4000" dirty="0" smtClean="0">
+              <a:rPr lang="en-US" altLang="zh-Hant" sz="4000" dirty="0">
                 <a:latin typeface="微软雅黑" panose="020B0503020204020204" pitchFamily="34" charset="-122"/>
                 <a:ea typeface="微软雅黑" panose="020B0503020204020204" pitchFamily="34" charset="-122"/>
               </a:rPr>
@@ -12985,13 +12866,6 @@
     <a:masterClrMapping/>
   </p:clrMapOvr>
   <p:transition/>
-  <p:timing>
-    <p:tnLst>
-      <p:par>
-        <p:cTn id="1" dur="indefinite" restart="never" nodeType="tmRoot"/>
-      </p:par>
-    </p:tnLst>
-  </p:timing>
 </p:sld>
 </file>
 
@@ -13059,14 +12933,14 @@
           <a:p>
             <a:pPr marL="0"/>
             <a:r>
-              <a:rPr lang="en-US" altLang="zh-Hant" sz="4400" dirty="0" smtClean="0">
+              <a:rPr lang="en-US" altLang="zh-Hant" sz="4400" dirty="0">
                 <a:latin typeface="微软雅黑" panose="020B0503020204020204" pitchFamily="34" charset="-122"/>
                 <a:ea typeface="微软雅黑" panose="020B0503020204020204" pitchFamily="34" charset="-122"/>
               </a:rPr>
               <a:t>Use the </a:t>
             </a:r>
             <a:r>
-              <a:rPr lang="en-US" altLang="zh-Hant" sz="4400" dirty="0" smtClean="0">
+              <a:rPr lang="en-US" altLang="zh-Hant" sz="4400" dirty="0">
                 <a:solidFill>
                   <a:srgbClr val="FF0000"/>
                 </a:solidFill>
@@ -13076,7 +12950,7 @@
               <a:t>Times()</a:t>
             </a:r>
             <a:r>
-              <a:rPr lang="en-US" altLang="zh-Hant" sz="4400" dirty="0" smtClean="0">
+              <a:rPr lang="en-US" altLang="zh-Hant" sz="4400" dirty="0">
                 <a:latin typeface="微软雅黑" panose="020B0503020204020204" pitchFamily="34" charset="-122"/>
                 <a:ea typeface="微软雅黑" panose="020B0503020204020204" pitchFamily="34" charset="-122"/>
               </a:rPr>
@@ -13087,14 +12961,7 @@
                 <a:latin typeface="微软雅黑" panose="020B0503020204020204" pitchFamily="34" charset="-122"/>
                 <a:ea typeface="微软雅黑" panose="020B0503020204020204" pitchFamily="34" charset="-122"/>
               </a:rPr>
-              <a:t>cardinality </a:t>
-            </a:r>
-            <a:r>
-              <a:rPr lang="en-US" sz="4400" dirty="0" smtClean="0">
-                <a:latin typeface="微软雅黑" panose="020B0503020204020204" pitchFamily="34" charset="-122"/>
-                <a:ea typeface="微软雅黑" panose="020B0503020204020204" pitchFamily="34" charset="-122"/>
-              </a:rPr>
-              <a:t>as it tells </a:t>
+              <a:t>cardinality as it tells </a:t>
             </a:r>
             <a:r>
               <a:rPr lang="en-US" sz="4400" dirty="0">
@@ -13106,28 +12973,28 @@
               </a:rPr>
               <a:t>how many times the call should occur</a:t>
             </a:r>
-            <a:endParaRPr lang="en-US" altLang="zh-Hant" sz="4400" dirty="0" smtClean="0">
+            <a:endParaRPr lang="en-US" altLang="zh-Hant" sz="4400" dirty="0">
               <a:latin typeface="微软雅黑" panose="020B0503020204020204" pitchFamily="34" charset="-122"/>
               <a:ea typeface="微软雅黑" panose="020B0503020204020204" pitchFamily="34" charset="-122"/>
             </a:endParaRPr>
           </a:p>
           <a:p>
             <a:pPr marL="0"/>
-            <a:endParaRPr lang="en-US" altLang="zh-Hant" sz="4400" dirty="0" smtClean="0">
+            <a:endParaRPr lang="en-US" altLang="zh-Hant" sz="4400" dirty="0">
               <a:latin typeface="微软雅黑" panose="020B0503020204020204" pitchFamily="34" charset="-122"/>
               <a:ea typeface="微软雅黑" panose="020B0503020204020204" pitchFamily="34" charset="-122"/>
             </a:endParaRPr>
           </a:p>
           <a:p>
             <a:pPr marL="0"/>
-            <a:endParaRPr lang="en-US" altLang="zh-Hant" sz="4400" dirty="0" smtClean="0">
+            <a:endParaRPr lang="en-US" altLang="zh-Hant" sz="4400" dirty="0">
               <a:latin typeface="微软雅黑" panose="020B0503020204020204" pitchFamily="34" charset="-122"/>
               <a:ea typeface="微软雅黑" panose="020B0503020204020204" pitchFamily="34" charset="-122"/>
             </a:endParaRPr>
           </a:p>
           <a:p>
             <a:pPr marL="0"/>
-            <a:endParaRPr lang="en-US" altLang="zh-Hant" sz="4400" dirty="0" smtClean="0">
+            <a:endParaRPr lang="en-US" altLang="zh-Hant" sz="4400" dirty="0">
               <a:latin typeface="微软雅黑" panose="020B0503020204020204" pitchFamily="34" charset="-122"/>
               <a:ea typeface="微软雅黑" panose="020B0503020204020204" pitchFamily="34" charset="-122"/>
             </a:endParaRPr>
@@ -13135,7 +13002,7 @@
           <a:p>
             <a:pPr marL="0"/>
             <a:r>
-              <a:rPr lang="en-US" altLang="zh-Hant" sz="4000" dirty="0" smtClean="0">
+              <a:rPr lang="en-US" altLang="zh-Hant" sz="4000" dirty="0">
                 <a:latin typeface="微软雅黑" panose="020B0503020204020204" pitchFamily="34" charset="-122"/>
                 <a:ea typeface="微软雅黑" panose="020B0503020204020204" pitchFamily="34" charset="-122"/>
               </a:rPr>
@@ -13214,13 +13081,6 @@
     <a:masterClrMapping/>
   </p:clrMapOvr>
   <p:transition/>
-  <p:timing>
-    <p:tnLst>
-      <p:par>
-        <p:cTn id="1" dur="indefinite" restart="never" nodeType="tmRoot"/>
-      </p:par>
-    </p:tnLst>
-  </p:timing>
 </p:sld>
 </file>
 
@@ -13263,7 +13123,7 @@
           <a:p>
             <a:pPr algn="ctr"/>
             <a:r>
-              <a:rPr lang="en-US" altLang="zh-Hans" sz="4800" dirty="0" smtClean="0">
+              <a:rPr lang="en-US" altLang="zh-Hans" sz="4800" dirty="0">
                 <a:latin typeface="微软雅黑" panose="020B0503020204020204" pitchFamily="34" charset="-122"/>
                 <a:ea typeface="微软雅黑" panose="020B0503020204020204" pitchFamily="34" charset="-122"/>
               </a:rPr>
@@ -13369,7 +13229,7 @@
               <a:t>购买一些书籍来充实图书馆</a:t>
             </a:r>
             <a:r>
-              <a:rPr lang="en-US" altLang="zh-Hans" sz="3600" dirty="0" smtClean="0">
+              <a:rPr lang="en-US" altLang="zh-Hans" sz="3600" dirty="0">
                 <a:latin typeface="微软雅黑" panose="020B0503020204020204" pitchFamily="34" charset="-122"/>
                 <a:ea typeface="微软雅黑" panose="020B0503020204020204" pitchFamily="34" charset="-122"/>
               </a:rPr>
@@ -13388,7 +13248,7 @@
                 <a:schemeClr val="tx2"/>
               </a:buClr>
             </a:pPr>
-            <a:endParaRPr lang="en-US" altLang="zh-Hans" sz="800" dirty="0" smtClean="0">
+            <a:endParaRPr lang="en-US" altLang="zh-Hans" sz="800" dirty="0">
               <a:latin typeface="微软雅黑" panose="020B0503020204020204" pitchFamily="34" charset="-122"/>
               <a:ea typeface="微软雅黑" panose="020B0503020204020204" pitchFamily="34" charset="-122"/>
             </a:endParaRPr>
@@ -13440,16 +13300,9 @@
                 <a:latin typeface="微软雅黑" panose="020B0503020204020204" pitchFamily="34" charset="-122"/>
                 <a:ea typeface="微软雅黑" panose="020B0503020204020204" pitchFamily="34" charset="-122"/>
               </a:rPr>
-              <a:t>供管理员进行</a:t>
-            </a:r>
-            <a:r>
-              <a:rPr lang="zh-Hans" altLang="en-US" sz="3600" dirty="0" smtClean="0">
-                <a:latin typeface="微软雅黑" panose="020B0503020204020204" pitchFamily="34" charset="-122"/>
-                <a:ea typeface="微软雅黑" panose="020B0503020204020204" pitchFamily="34" charset="-122"/>
-              </a:rPr>
-              <a:t>选择</a:t>
-            </a:r>
-            <a:endParaRPr lang="en-US" altLang="zh-Hans" sz="3600" dirty="0" smtClean="0">
+              <a:t>供管理员进行选择</a:t>
+            </a:r>
+            <a:endParaRPr lang="en-US" altLang="zh-Hans" sz="3600" dirty="0">
               <a:latin typeface="微软雅黑" panose="020B0503020204020204" pitchFamily="34" charset="-122"/>
               <a:ea typeface="微软雅黑" panose="020B0503020204020204" pitchFamily="34" charset="-122"/>
             </a:endParaRPr>
@@ -13490,14 +13343,7 @@
                 <a:latin typeface="微软雅黑" panose="020B0503020204020204" pitchFamily="34" charset="-122"/>
                 <a:ea typeface="微软雅黑" panose="020B0503020204020204" pitchFamily="34" charset="-122"/>
               </a:rPr>
-              <a:t>管理员仅会挑选当前图书馆中不存在的书籍进行</a:t>
-            </a:r>
-            <a:r>
-              <a:rPr lang="zh-Hans" altLang="en-US" sz="3600" dirty="0" smtClean="0">
-                <a:latin typeface="微软雅黑" panose="020B0503020204020204" pitchFamily="34" charset="-122"/>
-                <a:ea typeface="微软雅黑" panose="020B0503020204020204" pitchFamily="34" charset="-122"/>
-              </a:rPr>
-              <a:t>购买</a:t>
+              <a:t>管理员仅会挑选当前图书馆中不存在的书籍进行购买</a:t>
             </a:r>
             <a:endParaRPr lang="en-US" altLang="zh-Hans" sz="3600" dirty="0">
               <a:latin typeface="微软雅黑" panose="020B0503020204020204" pitchFamily="34" charset="-122"/>
@@ -13516,7 +13362,7 @@
                 <a:schemeClr val="tx2"/>
               </a:buClr>
             </a:pPr>
-            <a:endParaRPr lang="en-US" altLang="zh-Hans" sz="800" dirty="0" smtClean="0">
+            <a:endParaRPr lang="en-US" altLang="zh-Hans" sz="800" dirty="0">
               <a:latin typeface="微软雅黑" panose="020B0503020204020204" pitchFamily="34" charset="-122"/>
               <a:ea typeface="微软雅黑" panose="020B0503020204020204" pitchFamily="34" charset="-122"/>
             </a:endParaRPr>
@@ -13660,13 +13506,6 @@
     <a:masterClrMapping/>
   </p:clrMapOvr>
   <p:transition/>
-  <p:timing>
-    <p:tnLst>
-      <p:par>
-        <p:cTn id="1" dur="indefinite" restart="never" nodeType="tmRoot"/>
-      </p:par>
-    </p:tnLst>
-  </p:timing>
 </p:sld>
 </file>
 
@@ -13704,7 +13543,7 @@
           <a:p>
             <a:pPr algn="ctr"/>
             <a:r>
-              <a:rPr lang="en-US" smtClean="0">
+              <a:rPr lang="en-US">
                 <a:latin typeface="微软雅黑" panose="020B0503020204020204" pitchFamily="34" charset="-122"/>
                 <a:ea typeface="微软雅黑" panose="020B0503020204020204" pitchFamily="34" charset="-122"/>
               </a:rPr>
@@ -13739,48 +13578,24 @@
                 <a:ea typeface="微软雅黑" panose="020B0503020204020204" pitchFamily="34" charset="-122"/>
                 <a:hlinkClick r:id="rId2"/>
               </a:rPr>
-              <a:t>http</a:t>
-            </a:r>
-            <a:r>
-              <a:rPr lang="en-US" dirty="0">
-                <a:latin typeface="微软雅黑" panose="020B0503020204020204" pitchFamily="34" charset="-122"/>
-                <a:ea typeface="微软雅黑" panose="020B0503020204020204" pitchFamily="34" charset="-122"/>
-                <a:hlinkClick r:id="rId2"/>
-              </a:rPr>
-              <a:t>://github/DT/tree/master/02-GMock</a:t>
-            </a:r>
-            <a:endParaRPr lang="en-US" dirty="0" smtClean="0">
+              <a:t>http://github/DT/tree/master/02-GMock</a:t>
+            </a:r>
+            <a:endParaRPr lang="en-US" dirty="0">
               <a:latin typeface="微软雅黑" panose="020B0503020204020204" pitchFamily="34" charset="-122"/>
               <a:ea typeface="微软雅黑" panose="020B0503020204020204" pitchFamily="34" charset="-122"/>
             </a:endParaRPr>
           </a:p>
           <a:p>
             <a:pPr latinLnBrk="1"/>
-            <a:r>
-              <a:rPr lang="en-US" dirty="0" smtClean="0">
-                <a:latin typeface="微软雅黑" panose="020B0503020204020204" pitchFamily="34" charset="-122"/>
-                <a:ea typeface="微软雅黑" panose="020B0503020204020204" pitchFamily="34" charset="-122"/>
-                <a:hlinkClick r:id="rId3"/>
-              </a:rPr>
-              <a:t>https</a:t>
-            </a:r>
             <a:r>
               <a:rPr lang="en-US" dirty="0">
                 <a:latin typeface="微软雅黑" panose="020B0503020204020204" pitchFamily="34" charset="-122"/>
                 <a:ea typeface="微软雅黑" panose="020B0503020204020204" pitchFamily="34" charset="-122"/>
                 <a:hlinkClick r:id="rId3"/>
               </a:rPr>
-              <a:t>://</a:t>
-            </a:r>
-            <a:r>
-              <a:rPr lang="en-US" dirty="0" smtClean="0">
-                <a:latin typeface="微软雅黑" panose="020B0503020204020204" pitchFamily="34" charset="-122"/>
-                <a:ea typeface="微软雅黑" panose="020B0503020204020204" pitchFamily="34" charset="-122"/>
-                <a:hlinkClick r:id="rId3"/>
-              </a:rPr>
-              <a:t>code.google.com/p/googlemock/wiki/ForDummies</a:t>
-            </a:r>
-            <a:endParaRPr lang="en-US" dirty="0" smtClean="0">
+              <a:t>https://code.google.com/p/googlemock/wiki/ForDummies</a:t>
+            </a:r>
+            <a:endParaRPr lang="en-US" dirty="0">
               <a:latin typeface="微软雅黑" panose="020B0503020204020204" pitchFamily="34" charset="-122"/>
               <a:ea typeface="微软雅黑" panose="020B0503020204020204" pitchFamily="34" charset="-122"/>
             </a:endParaRPr>
@@ -13793,17 +13608,9 @@
                 <a:ea typeface="微软雅黑" panose="020B0503020204020204" pitchFamily="34" charset="-122"/>
                 <a:hlinkClick r:id="rId4"/>
               </a:rPr>
-              <a:t>https://</a:t>
-            </a:r>
-            <a:r>
-              <a:rPr lang="en-US" dirty="0" smtClean="0">
-                <a:latin typeface="微软雅黑" panose="020B0503020204020204" pitchFamily="34" charset="-122"/>
-                <a:ea typeface="微软雅黑" panose="020B0503020204020204" pitchFamily="34" charset="-122"/>
-                <a:hlinkClick r:id="rId4"/>
-              </a:rPr>
-              <a:t>code.google.com/p/googlemock/wiki/CheatSheet</a:t>
-            </a:r>
-            <a:endParaRPr lang="en-US" dirty="0" smtClean="0">
+              <a:t>https://code.google.com/p/googlemock/wiki/CheatSheet</a:t>
+            </a:r>
+            <a:endParaRPr lang="en-US" dirty="0">
               <a:latin typeface="微软雅黑" panose="020B0503020204020204" pitchFamily="34" charset="-122"/>
               <a:ea typeface="微软雅黑" panose="020B0503020204020204" pitchFamily="34" charset="-122"/>
             </a:endParaRPr>
@@ -13816,17 +13623,9 @@
                 <a:ea typeface="微软雅黑" panose="020B0503020204020204" pitchFamily="34" charset="-122"/>
                 <a:hlinkClick r:id="rId5"/>
               </a:rPr>
-              <a:t>https://</a:t>
-            </a:r>
-            <a:r>
-              <a:rPr lang="en-US" dirty="0" smtClean="0">
-                <a:latin typeface="微软雅黑" panose="020B0503020204020204" pitchFamily="34" charset="-122"/>
-                <a:ea typeface="微软雅黑" panose="020B0503020204020204" pitchFamily="34" charset="-122"/>
-                <a:hlinkClick r:id="rId5"/>
-              </a:rPr>
-              <a:t>code.google.com/p/googlemock/wiki/CookBook</a:t>
-            </a:r>
-            <a:endParaRPr lang="en-US" dirty="0" smtClean="0">
+              <a:t>https://code.google.com/p/googlemock/wiki/CookBook</a:t>
+            </a:r>
+            <a:endParaRPr lang="en-US" dirty="0">
               <a:latin typeface="微软雅黑" panose="020B0503020204020204" pitchFamily="34" charset="-122"/>
               <a:ea typeface="微软雅黑" panose="020B0503020204020204" pitchFamily="34" charset="-122"/>
             </a:endParaRPr>
@@ -13839,17 +13638,9 @@
                 <a:ea typeface="微软雅黑" panose="020B0503020204020204" pitchFamily="34" charset="-122"/>
                 <a:hlinkClick r:id="rId6"/>
               </a:rPr>
-              <a:t>https://</a:t>
-            </a:r>
-            <a:r>
-              <a:rPr lang="en-US" dirty="0" smtClean="0">
-                <a:latin typeface="微软雅黑" panose="020B0503020204020204" pitchFamily="34" charset="-122"/>
-                <a:ea typeface="微软雅黑" panose="020B0503020204020204" pitchFamily="34" charset="-122"/>
-                <a:hlinkClick r:id="rId6"/>
-              </a:rPr>
-              <a:t>code.google.com/p/googlemock/wiki/FrequentlyAskedQuestions</a:t>
-            </a:r>
-            <a:endParaRPr lang="en-US" dirty="0" smtClean="0">
+              <a:t>https://code.google.com/p/googlemock/wiki/FrequentlyAskedQuestions</a:t>
+            </a:r>
+            <a:endParaRPr lang="en-US" dirty="0">
               <a:latin typeface="微软雅黑" panose="020B0503020204020204" pitchFamily="34" charset="-122"/>
               <a:ea typeface="微软雅黑" panose="020B0503020204020204" pitchFamily="34" charset="-122"/>
             </a:endParaRPr>
@@ -13911,13 +13702,6 @@
     <a:masterClrMapping/>
   </p:clrMapOvr>
   <p:transition/>
-  <p:timing>
-    <p:tnLst>
-      <p:par>
-        <p:cTn id="1" dur="indefinite" restart="never" nodeType="tmRoot"/>
-      </p:par>
-    </p:tnLst>
-  </p:timing>
 </p:sld>
 </file>
 
@@ -13957,7 +13741,7 @@
               <a:defRPr/>
             </a:pPr>
             <a:r>
-              <a:rPr lang="en-US" smtClean="0">
+              <a:rPr lang="en-US">
                 <a:latin typeface="微软雅黑" panose="020B0503020204020204" pitchFamily="34" charset="-122"/>
                 <a:ea typeface="微软雅黑" panose="020B0503020204020204" pitchFamily="34" charset="-122"/>
               </a:rPr>
@@ -14019,18 +13803,13 @@
               </a:spcBef>
             </a:pPr>
             <a:r>
-              <a:rPr lang="en-US" dirty="0" smtClean="0">
+              <a:rPr lang="en-US" dirty="0">
                 <a:latin typeface="微软雅黑" panose="020B0503020204020204" pitchFamily="34" charset="-122"/>
                 <a:ea typeface="微软雅黑" panose="020B0503020204020204" pitchFamily="34" charset="-122"/>
                 <a:cs typeface="ヒラギノ角ゴ ProN W3" charset="0"/>
               </a:rPr>
               <a:t>Wu Kun</a:t>
             </a:r>
-            <a:endParaRPr lang="en-US" dirty="0">
-              <a:latin typeface="微软雅黑" panose="020B0503020204020204" pitchFamily="34" charset="-122"/>
-              <a:ea typeface="微软雅黑" panose="020B0503020204020204" pitchFamily="34" charset="-122"/>
-              <a:cs typeface="ヒラギノ角ゴ ProN W3" charset="0"/>
-            </a:endParaRPr>
           </a:p>
           <a:p>
             <a:pPr>
@@ -14039,7 +13818,7 @@
               </a:spcBef>
             </a:pPr>
             <a:r>
-              <a:rPr lang="en-US" dirty="0" err="1" smtClean="0">
+              <a:rPr lang="en-US" dirty="0" err="1">
                 <a:latin typeface="微软雅黑" panose="020B0503020204020204" pitchFamily="34" charset="-122"/>
                 <a:ea typeface="微软雅黑" panose="020B0503020204020204" pitchFamily="34" charset="-122"/>
                 <a:cs typeface="ヒラギノ角ゴ ProN W3" charset="0"/>
@@ -14060,13 +13839,6 @@
     <a:masterClrMapping/>
   </p:clrMapOvr>
   <p:transition/>
-  <p:timing>
-    <p:tnLst>
-      <p:par>
-        <p:cTn id="1" dur="indefinite" restart="never" nodeType="tmRoot"/>
-      </p:par>
-    </p:tnLst>
-  </p:timing>
 </p:sld>
 </file>
 
@@ -14109,7 +13881,7 @@
           <a:p>
             <a:pPr algn="ctr"/>
             <a:r>
-              <a:rPr lang="en-US" altLang="zh-Hans" sz="4800" dirty="0" smtClean="0">
+              <a:rPr lang="en-US" altLang="zh-Hans" sz="4800" dirty="0">
                 <a:latin typeface="微软雅黑" panose="020B0503020204020204" pitchFamily="34" charset="-122"/>
                 <a:ea typeface="微软雅黑" panose="020B0503020204020204" pitchFamily="34" charset="-122"/>
               </a:rPr>
@@ -14215,7 +13987,7 @@
               <a:t>购买一些书籍来充实图书馆</a:t>
             </a:r>
             <a:r>
-              <a:rPr lang="en-US" altLang="zh-Hans" sz="3600" dirty="0" smtClean="0">
+              <a:rPr lang="en-US" altLang="zh-Hans" sz="3600" dirty="0">
                 <a:latin typeface="微软雅黑" panose="020B0503020204020204" pitchFamily="34" charset="-122"/>
                 <a:ea typeface="微软雅黑" panose="020B0503020204020204" pitchFamily="34" charset="-122"/>
               </a:rPr>
@@ -14234,7 +14006,7 @@
                 <a:schemeClr val="tx2"/>
               </a:buClr>
             </a:pPr>
-            <a:endParaRPr lang="en-US" altLang="zh-Hans" sz="800" dirty="0" smtClean="0">
+            <a:endParaRPr lang="en-US" altLang="zh-Hans" sz="800" dirty="0">
               <a:latin typeface="微软雅黑" panose="020B0503020204020204" pitchFamily="34" charset="-122"/>
               <a:ea typeface="微软雅黑" panose="020B0503020204020204" pitchFamily="34" charset="-122"/>
             </a:endParaRPr>
@@ -14286,16 +14058,9 @@
                 <a:latin typeface="微软雅黑" panose="020B0503020204020204" pitchFamily="34" charset="-122"/>
                 <a:ea typeface="微软雅黑" panose="020B0503020204020204" pitchFamily="34" charset="-122"/>
               </a:rPr>
-              <a:t>供管理员进行</a:t>
-            </a:r>
-            <a:r>
-              <a:rPr lang="zh-Hans" altLang="en-US" sz="3600" dirty="0" smtClean="0">
-                <a:latin typeface="微软雅黑" panose="020B0503020204020204" pitchFamily="34" charset="-122"/>
-                <a:ea typeface="微软雅黑" panose="020B0503020204020204" pitchFamily="34" charset="-122"/>
-              </a:rPr>
-              <a:t>选择</a:t>
-            </a:r>
-            <a:endParaRPr lang="en-US" altLang="zh-Hans" sz="3600" dirty="0" smtClean="0">
+              <a:t>供管理员进行选择</a:t>
+            </a:r>
+            <a:endParaRPr lang="en-US" altLang="zh-Hans" sz="3600" dirty="0">
               <a:latin typeface="微软雅黑" panose="020B0503020204020204" pitchFamily="34" charset="-122"/>
               <a:ea typeface="微软雅黑" panose="020B0503020204020204" pitchFamily="34" charset="-122"/>
             </a:endParaRPr>
@@ -14336,14 +14101,7 @@
                 <a:latin typeface="微软雅黑" panose="020B0503020204020204" pitchFamily="34" charset="-122"/>
                 <a:ea typeface="微软雅黑" panose="020B0503020204020204" pitchFamily="34" charset="-122"/>
               </a:rPr>
-              <a:t>管理员仅会挑选当前图书馆中不存在的书籍进行</a:t>
-            </a:r>
-            <a:r>
-              <a:rPr lang="zh-Hans" altLang="en-US" sz="3600" dirty="0" smtClean="0">
-                <a:latin typeface="微软雅黑" panose="020B0503020204020204" pitchFamily="34" charset="-122"/>
-                <a:ea typeface="微软雅黑" panose="020B0503020204020204" pitchFamily="34" charset="-122"/>
-              </a:rPr>
-              <a:t>购买</a:t>
+              <a:t>管理员仅会挑选当前图书馆中不存在的书籍进行购买</a:t>
             </a:r>
             <a:endParaRPr lang="en-US" altLang="zh-Hans" sz="3600" dirty="0">
               <a:latin typeface="微软雅黑" panose="020B0503020204020204" pitchFamily="34" charset="-122"/>
@@ -14362,7 +14120,7 @@
                 <a:schemeClr val="tx2"/>
               </a:buClr>
             </a:pPr>
-            <a:endParaRPr lang="en-US" altLang="zh-Hans" sz="800" dirty="0" smtClean="0">
+            <a:endParaRPr lang="en-US" altLang="zh-Hans" sz="800" dirty="0">
               <a:latin typeface="微软雅黑" panose="020B0503020204020204" pitchFamily="34" charset="-122"/>
               <a:ea typeface="微软雅黑" panose="020B0503020204020204" pitchFamily="34" charset="-122"/>
             </a:endParaRPr>
@@ -14497,13 +14255,6 @@
     <a:masterClrMapping/>
   </p:clrMapOvr>
   <p:transition/>
-  <p:timing>
-    <p:tnLst>
-      <p:par>
-        <p:cTn id="1" dur="indefinite" restart="never" nodeType="tmRoot"/>
-      </p:par>
-    </p:tnLst>
-  </p:timing>
 </p:sld>
 </file>
 
@@ -14546,7 +14297,7 @@
           <a:p>
             <a:pPr algn="ctr"/>
             <a:r>
-              <a:rPr lang="en-US" altLang="zh-Hans" sz="4800" dirty="0" smtClean="0">
+              <a:rPr lang="en-US" altLang="zh-Hans" sz="4800" dirty="0">
                 <a:latin typeface="微软雅黑" panose="020B0503020204020204" pitchFamily="34" charset="-122"/>
                 <a:ea typeface="微软雅黑" panose="020B0503020204020204" pitchFamily="34" charset="-122"/>
               </a:rPr>
@@ -14587,7 +14338,7 @@
               <a:buFont typeface="Wingdings" charset="2"/>
               <a:buChar char=""/>
             </a:pPr>
-            <a:endParaRPr lang="zh-Hans" altLang="en-US" sz="900" dirty="0" smtClean="0">
+            <a:endParaRPr lang="zh-Hans" altLang="en-US" sz="900" dirty="0">
               <a:latin typeface="微软雅黑" panose="020B0503020204020204" pitchFamily="34" charset="-122"/>
               <a:ea typeface="微软雅黑" panose="020B0503020204020204" pitchFamily="34" charset="-122"/>
             </a:endParaRPr>
@@ -14607,27 +14358,27 @@
               <a:buChar char=""/>
             </a:pPr>
             <a:r>
-              <a:rPr lang="zh-Hans" altLang="en-US" sz="3600" dirty="0" smtClean="0">
+              <a:rPr lang="zh-Hans" altLang="en-US" sz="3600" dirty="0">
                 <a:latin typeface="微软雅黑" panose="020B0503020204020204" pitchFamily="34" charset="-122"/>
                 <a:ea typeface="微软雅黑" panose="020B0503020204020204" pitchFamily="34" charset="-122"/>
               </a:rPr>
               <a:t>从原始</a:t>
             </a:r>
             <a:r>
-              <a:rPr lang="en-US" altLang="zh-Hans" sz="3600" dirty="0" smtClean="0">
+              <a:rPr lang="en-US" altLang="zh-Hans" sz="3600" dirty="0">
                 <a:latin typeface="微软雅黑" panose="020B0503020204020204" pitchFamily="34" charset="-122"/>
                 <a:ea typeface="微软雅黑" panose="020B0503020204020204" pitchFamily="34" charset="-122"/>
               </a:rPr>
               <a:t>Repo</a:t>
             </a:r>
             <a:r>
-              <a:rPr lang="zh-Hans" altLang="en-US" sz="3600" dirty="0" smtClean="0">
+              <a:rPr lang="zh-Hans" altLang="en-US" sz="3600" dirty="0">
                 <a:latin typeface="微软雅黑" panose="020B0503020204020204" pitchFamily="34" charset="-122"/>
                 <a:ea typeface="微软雅黑" panose="020B0503020204020204" pitchFamily="34" charset="-122"/>
               </a:rPr>
               <a:t>上更新代码</a:t>
             </a:r>
-            <a:endParaRPr lang="en-US" altLang="zh-Hans" sz="3600" dirty="0" smtClean="0">
+            <a:endParaRPr lang="en-US" altLang="zh-Hans" sz="3600" dirty="0">
               <a:latin typeface="微软雅黑" panose="020B0503020204020204" pitchFamily="34" charset="-122"/>
               <a:ea typeface="微软雅黑" panose="020B0503020204020204" pitchFamily="34" charset="-122"/>
             </a:endParaRPr>
@@ -14649,18 +14400,10 @@
                 <a:ea typeface="微软雅黑" panose="020B0503020204020204" pitchFamily="34" charset="-122"/>
                 <a:cs typeface="Open Sans" charset="0"/>
               </a:rPr>
-              <a:t>git remote add source http</a:t>
-            </a:r>
-            <a:r>
-              <a:rPr lang="en-US" sz="3200" dirty="0">
-                <a:latin typeface="微软雅黑" panose="020B0503020204020204" pitchFamily="34" charset="-122"/>
-                <a:ea typeface="微软雅黑" panose="020B0503020204020204" pitchFamily="34" charset="-122"/>
-                <a:cs typeface="Open Sans" charset="0"/>
-              </a:rPr>
-              <a:t>://github/DT.git</a:t>
-            </a:r>
-            <a:r>
-              <a:rPr lang="en-US" altLang="zh-Hans" sz="3200" dirty="0" smtClean="0">
+              <a:t>git remote add source http://github/DT.git</a:t>
+            </a:r>
+            <a:r>
+              <a:rPr lang="en-US" altLang="zh-Hans" sz="3200" dirty="0">
                 <a:latin typeface="微软雅黑" panose="020B0503020204020204" pitchFamily="34" charset="-122"/>
                 <a:ea typeface="微软雅黑" panose="020B0503020204020204" pitchFamily="34" charset="-122"/>
                 <a:cs typeface="Open Sans" charset="0"/>
@@ -14685,7 +14428,7 @@
               <a:buChar char=""/>
             </a:pPr>
             <a:r>
-              <a:rPr lang="en-US" altLang="zh-Hans" sz="3200" dirty="0" err="1" smtClean="0">
+              <a:rPr lang="en-US" altLang="zh-Hans" sz="3200" dirty="0" err="1">
                 <a:latin typeface="微软雅黑" panose="020B0503020204020204" pitchFamily="34" charset="-122"/>
                 <a:ea typeface="微软雅黑" panose="020B0503020204020204" pitchFamily="34" charset="-122"/>
                 <a:cs typeface="Open Sans" charset="0"/>
@@ -14693,7 +14436,7 @@
               <a:t>git</a:t>
             </a:r>
             <a:r>
-              <a:rPr lang="en-US" altLang="zh-Hans" sz="3200" dirty="0" smtClean="0">
+              <a:rPr lang="en-US" altLang="zh-Hans" sz="3200" dirty="0">
                 <a:latin typeface="微软雅黑" panose="020B0503020204020204" pitchFamily="34" charset="-122"/>
                 <a:ea typeface="微软雅黑" panose="020B0503020204020204" pitchFamily="34" charset="-122"/>
                 <a:cs typeface="Open Sans" charset="0"/>
@@ -14712,7 +14455,7 @@
               <a:buFont typeface="Wingdings" charset="2"/>
               <a:buChar char=""/>
             </a:pPr>
-            <a:endParaRPr lang="en-US" altLang="zh-Hans" dirty="0" smtClean="0">
+            <a:endParaRPr lang="en-US" altLang="zh-Hans" dirty="0">
               <a:latin typeface="微软雅黑" panose="020B0503020204020204" pitchFamily="34" charset="-122"/>
               <a:ea typeface="微软雅黑" panose="020B0503020204020204" pitchFamily="34" charset="-122"/>
               <a:cs typeface="Open Sans" charset="0"/>
@@ -14769,7 +14512,7 @@
               <a:buFont typeface="Wingdings" charset="2"/>
               <a:buChar char=""/>
             </a:pPr>
-            <a:endParaRPr lang="zh-Hans" altLang="en-US" sz="2200" dirty="0" smtClean="0">
+            <a:endParaRPr lang="zh-Hans" altLang="en-US" sz="2200" dirty="0">
               <a:latin typeface="微软雅黑" panose="020B0503020204020204" pitchFamily="34" charset="-122"/>
               <a:ea typeface="微软雅黑" panose="020B0503020204020204" pitchFamily="34" charset="-122"/>
             </a:endParaRPr>
@@ -14789,49 +14532,49 @@
               <a:buChar char=""/>
             </a:pPr>
             <a:r>
-              <a:rPr lang="zh-Hans" altLang="en-US" sz="3600" dirty="0" smtClean="0">
+              <a:rPr lang="zh-Hans" altLang="en-US" sz="3600" dirty="0">
                 <a:latin typeface="微软雅黑" panose="020B0503020204020204" pitchFamily="34" charset="-122"/>
                 <a:ea typeface="微软雅黑" panose="020B0503020204020204" pitchFamily="34" charset="-122"/>
               </a:rPr>
               <a:t>重构</a:t>
             </a:r>
             <a:r>
-              <a:rPr lang="en-US" altLang="zh-Hans" sz="3600" dirty="0" smtClean="0">
+              <a:rPr lang="en-US" altLang="zh-Hans" sz="3600" dirty="0">
                 <a:latin typeface="微软雅黑" panose="020B0503020204020204" pitchFamily="34" charset="-122"/>
                 <a:ea typeface="微软雅黑" panose="020B0503020204020204" pitchFamily="34" charset="-122"/>
               </a:rPr>
               <a:t>Librarian, </a:t>
             </a:r>
             <a:r>
-              <a:rPr lang="zh-Hans" altLang="en-US" sz="3600" dirty="0" smtClean="0">
+              <a:rPr lang="zh-Hans" altLang="en-US" sz="3600" dirty="0">
                 <a:latin typeface="微软雅黑" panose="020B0503020204020204" pitchFamily="34" charset="-122"/>
                 <a:ea typeface="微软雅黑" panose="020B0503020204020204" pitchFamily="34" charset="-122"/>
               </a:rPr>
               <a:t>使管理员可以通过</a:t>
             </a:r>
             <a:r>
-              <a:rPr lang="en-US" altLang="zh-Hans" sz="3600" dirty="0" smtClean="0">
+              <a:rPr lang="en-US" altLang="zh-Hans" sz="3600" dirty="0">
                 <a:latin typeface="微软雅黑" panose="020B0503020204020204" pitchFamily="34" charset="-122"/>
                 <a:ea typeface="微软雅黑" panose="020B0503020204020204" pitchFamily="34" charset="-122"/>
               </a:rPr>
               <a:t>store</a:t>
             </a:r>
             <a:r>
-              <a:rPr lang="zh-Hans" altLang="en-US" sz="3600" dirty="0" smtClean="0">
+              <a:rPr lang="zh-Hans" altLang="en-US" sz="3600" dirty="0">
                 <a:latin typeface="微软雅黑" panose="020B0503020204020204" pitchFamily="34" charset="-122"/>
                 <a:ea typeface="微软雅黑" panose="020B0503020204020204" pitchFamily="34" charset="-122"/>
               </a:rPr>
               <a:t>方法存入一个</a:t>
             </a:r>
             <a:r>
-              <a:rPr lang="en-US" altLang="zh-Hans" sz="3600" dirty="0" smtClean="0">
+              <a:rPr lang="en-US" altLang="zh-Hans" sz="3600" dirty="0">
                 <a:latin typeface="微软雅黑" panose="020B0503020204020204" pitchFamily="34" charset="-122"/>
                 <a:ea typeface="微软雅黑" panose="020B0503020204020204" pitchFamily="34" charset="-122"/>
               </a:rPr>
               <a:t>Book</a:t>
             </a:r>
             <a:r>
-              <a:rPr lang="zh-Hans" altLang="en-US" sz="3600" dirty="0" smtClean="0">
+              <a:rPr lang="zh-Hans" altLang="en-US" sz="3600" dirty="0">
                 <a:latin typeface="微软雅黑" panose="020B0503020204020204" pitchFamily="34" charset="-122"/>
                 <a:ea typeface="微软雅黑" panose="020B0503020204020204" pitchFamily="34" charset="-122"/>
               </a:rPr>
@@ -14849,7 +14592,7 @@
               <a:buFont typeface="Wingdings" charset="2"/>
               <a:buChar char=""/>
             </a:pPr>
-            <a:endParaRPr lang="zh-Hans" altLang="en-US" sz="2200" dirty="0" smtClean="0">
+            <a:endParaRPr lang="zh-Hans" altLang="en-US" sz="2200" dirty="0">
               <a:latin typeface="微软雅黑" panose="020B0503020204020204" pitchFamily="34" charset="-122"/>
               <a:ea typeface="微软雅黑" panose="020B0503020204020204" pitchFamily="34" charset="-122"/>
             </a:endParaRPr>
@@ -14869,44 +14612,40 @@
               <a:buChar char=""/>
             </a:pPr>
             <a:r>
-              <a:rPr lang="zh-Hans" altLang="en-US" sz="3600" dirty="0" smtClean="0">
+              <a:rPr lang="zh-Hans" altLang="en-US" sz="3600" dirty="0">
                 <a:latin typeface="微软雅黑" panose="020B0503020204020204" pitchFamily="34" charset="-122"/>
                 <a:ea typeface="微软雅黑" panose="020B0503020204020204" pitchFamily="34" charset="-122"/>
               </a:rPr>
               <a:t>思考</a:t>
             </a:r>
             <a:r>
-              <a:rPr lang="en-US" altLang="zh-Hans" sz="3600" dirty="0" smtClean="0">
+              <a:rPr lang="en-US" altLang="zh-Hans" sz="3600" dirty="0">
                 <a:latin typeface="微软雅黑" panose="020B0503020204020204" pitchFamily="34" charset="-122"/>
                 <a:ea typeface="微软雅黑" panose="020B0503020204020204" pitchFamily="34" charset="-122"/>
               </a:rPr>
               <a:t>: </a:t>
             </a:r>
             <a:r>
-              <a:rPr lang="zh-Hans" altLang="en-US" sz="3600" dirty="0" smtClean="0">
+              <a:rPr lang="zh-Hans" altLang="en-US" sz="3600" dirty="0">
                 <a:latin typeface="微软雅黑" panose="020B0503020204020204" pitchFamily="34" charset="-122"/>
                 <a:ea typeface="微软雅黑" panose="020B0503020204020204" pitchFamily="34" charset="-122"/>
               </a:rPr>
               <a:t>如何编写</a:t>
             </a:r>
             <a:r>
-              <a:rPr lang="en-US" altLang="zh-Hans" sz="3600" dirty="0" smtClean="0">
+              <a:rPr lang="en-US" altLang="zh-Hans" sz="3600" dirty="0">
                 <a:latin typeface="微软雅黑" panose="020B0503020204020204" pitchFamily="34" charset="-122"/>
                 <a:ea typeface="微软雅黑" panose="020B0503020204020204" pitchFamily="34" charset="-122"/>
               </a:rPr>
               <a:t>Librarian::store(vendor)</a:t>
             </a:r>
             <a:r>
-              <a:rPr lang="zh-Hans" altLang="en-US" sz="3600" dirty="0" smtClean="0">
+              <a:rPr lang="zh-Hans" altLang="en-US" sz="3600" dirty="0">
                 <a:latin typeface="微软雅黑" panose="020B0503020204020204" pitchFamily="34" charset="-122"/>
                 <a:ea typeface="微软雅黑" panose="020B0503020204020204" pitchFamily="34" charset="-122"/>
               </a:rPr>
               <a:t>的测试</a:t>
             </a:r>
-            <a:endParaRPr lang="zh-Hans" altLang="en-US" sz="3600" dirty="0">
-              <a:latin typeface="微软雅黑" panose="020B0503020204020204" pitchFamily="34" charset="-122"/>
-              <a:ea typeface="微软雅黑" panose="020B0503020204020204" pitchFamily="34" charset="-122"/>
-            </a:endParaRPr>
           </a:p>
         </p:txBody>
       </p:sp>
@@ -15092,7 +14831,7 @@
               <a:defRPr/>
             </a:pPr>
             <a:r>
-              <a:rPr lang="en-US" dirty="0" smtClean="0">
+              <a:rPr lang="en-US" dirty="0">
                 <a:latin typeface="微软雅黑" panose="020B0503020204020204" pitchFamily="34" charset="-122"/>
                 <a:ea typeface="微软雅黑" panose="020B0503020204020204" pitchFamily="34" charset="-122"/>
               </a:rPr>
@@ -15120,7 +14859,7 @@
               <a:defRPr/>
             </a:pPr>
             <a:r>
-              <a:rPr lang="en-US" dirty="0" smtClean="0">
+              <a:rPr lang="en-US" dirty="0">
                 <a:latin typeface="微软雅黑" panose="020B0503020204020204" pitchFamily="34" charset="-122"/>
                 <a:ea typeface="微软雅黑" panose="020B0503020204020204" pitchFamily="34" charset="-122"/>
               </a:rPr>
@@ -15170,13 +14909,6 @@
     <a:masterClrMapping/>
   </p:clrMapOvr>
   <p:transition/>
-  <p:timing>
-    <p:tnLst>
-      <p:par>
-        <p:cTn id="1" dur="indefinite" restart="never" nodeType="tmRoot"/>
-      </p:par>
-    </p:tnLst>
-  </p:timing>
 </p:sld>
 </file>
 
@@ -15214,7 +14946,7 @@
           <a:p>
             <a:pPr algn="ctr"/>
             <a:r>
-              <a:rPr lang="en-US" altLang="zh-Hans" dirty="0" smtClean="0">
+              <a:rPr lang="en-US" altLang="zh-Hans" dirty="0">
                 <a:latin typeface="微软雅黑" panose="020B0503020204020204" pitchFamily="34" charset="-122"/>
                 <a:ea typeface="微软雅黑" panose="020B0503020204020204" pitchFamily="34" charset="-122"/>
               </a:rPr>
@@ -15243,7 +14975,7 @@
           <a:lstStyle/>
           <a:p>
             <a:r>
-              <a:rPr lang="en-US" altLang="zh-Hans" sz="3200" dirty="0" smtClean="0">
+              <a:rPr lang="en-US" altLang="zh-Hans" sz="3200" dirty="0">
                 <a:latin typeface="微软雅黑" panose="020B0503020204020204" pitchFamily="34" charset="-122"/>
                 <a:ea typeface="微软雅黑" panose="020B0503020204020204" pitchFamily="34" charset="-122"/>
               </a:rPr>
@@ -15252,7 +14984,7 @@
           </a:p>
           <a:p>
             <a:r>
-              <a:rPr lang="en-US" altLang="zh-Hans" sz="3200" dirty="0" smtClean="0">
+              <a:rPr lang="en-US" altLang="zh-Hans" sz="3200" dirty="0">
                 <a:latin typeface="微软雅黑" panose="020B0503020204020204" pitchFamily="34" charset="-122"/>
                 <a:ea typeface="微软雅黑" panose="020B0503020204020204" pitchFamily="34" charset="-122"/>
               </a:rPr>
@@ -15261,7 +14993,7 @@
           </a:p>
           <a:p>
             <a:r>
-              <a:rPr lang="en-US" altLang="zh-Hans" sz="3200" dirty="0" smtClean="0">
+              <a:rPr lang="en-US" altLang="zh-Hans" sz="3200" dirty="0">
                 <a:latin typeface="微软雅黑" panose="020B0503020204020204" pitchFamily="34" charset="-122"/>
                 <a:ea typeface="微软雅黑" panose="020B0503020204020204" pitchFamily="34" charset="-122"/>
               </a:rPr>
@@ -15270,7 +15002,7 @@
           </a:p>
           <a:p>
             <a:r>
-              <a:rPr lang="en-US" altLang="zh-Hans" sz="3200" dirty="0" smtClean="0">
+              <a:rPr lang="en-US" altLang="zh-Hans" sz="3200" dirty="0">
                 <a:latin typeface="微软雅黑" panose="020B0503020204020204" pitchFamily="34" charset="-122"/>
                 <a:ea typeface="微软雅黑" panose="020B0503020204020204" pitchFamily="34" charset="-122"/>
               </a:rPr>
@@ -15279,7 +15011,7 @@
           </a:p>
           <a:p>
             <a:r>
-              <a:rPr lang="en-US" altLang="zh-Hans" sz="3200" dirty="0" smtClean="0">
+              <a:rPr lang="en-US" altLang="zh-Hans" sz="3200" dirty="0">
                 <a:latin typeface="微软雅黑" panose="020B0503020204020204" pitchFamily="34" charset="-122"/>
                 <a:ea typeface="微软雅黑" panose="020B0503020204020204" pitchFamily="34" charset="-122"/>
               </a:rPr>
@@ -15288,7 +15020,7 @@
           </a:p>
           <a:p>
             <a:r>
-              <a:rPr lang="en-US" altLang="zh-Hans" sz="3200" dirty="0" smtClean="0">
+              <a:rPr lang="en-US" altLang="zh-Hans" sz="3200" dirty="0">
                 <a:latin typeface="微软雅黑" panose="020B0503020204020204" pitchFamily="34" charset="-122"/>
                 <a:ea typeface="微软雅黑" panose="020B0503020204020204" pitchFamily="34" charset="-122"/>
               </a:rPr>
@@ -15347,13 +15079,6 @@
     <a:masterClrMapping/>
   </p:clrMapOvr>
   <p:transition/>
-  <p:timing>
-    <p:tnLst>
-      <p:par>
-        <p:cTn id="1" dur="indefinite" restart="never" nodeType="tmRoot"/>
-      </p:par>
-    </p:tnLst>
-  </p:timing>
 </p:sld>
 </file>
 
@@ -15391,7 +15116,7 @@
           <a:p>
             <a:pPr algn="ctr"/>
             <a:r>
-              <a:rPr lang="en-US" altLang="zh-Hans" spc="-210" dirty="0" smtClean="0">
+              <a:rPr lang="en-US" altLang="zh-Hans" spc="-210" dirty="0">
                 <a:latin typeface="微软雅黑" panose="020B0503020204020204" pitchFamily="34" charset="-122"/>
                 <a:ea typeface="微软雅黑" panose="020B0503020204020204" pitchFamily="34" charset="-122"/>
               </a:rPr>
@@ -15421,7 +15146,7 @@
           <a:p>
             <a:pPr marL="0" lvl="0"/>
             <a:r>
-              <a:rPr lang="en-US" altLang="zh-Hans" sz="3600" dirty="0" smtClean="0">
+              <a:rPr lang="en-US" altLang="zh-Hans" sz="3600" dirty="0">
                 <a:latin typeface="微软雅黑" panose="020B0503020204020204" pitchFamily="34" charset="-122"/>
                 <a:ea typeface="微软雅黑" panose="020B0503020204020204" pitchFamily="34" charset="-122"/>
                 <a:sym typeface="Calibri"/>
@@ -15429,7 +15154,7 @@
               <a:t>A </a:t>
             </a:r>
             <a:r>
-              <a:rPr lang="en-US" altLang="zh-Hans" sz="3600" dirty="0" smtClean="0">
+              <a:rPr lang="en-US" altLang="zh-Hans" sz="3600" dirty="0">
                 <a:solidFill>
                   <a:srgbClr val="FF2600"/>
                 </a:solidFill>
@@ -15440,7 +15165,7 @@
               <a:t>mock object</a:t>
             </a:r>
             <a:r>
-              <a:rPr lang="en-US" altLang="zh-Hans" sz="3600" dirty="0" smtClean="0">
+              <a:rPr lang="en-US" altLang="zh-Hans" sz="3600" dirty="0">
                 <a:latin typeface="微软雅黑" panose="020B0503020204020204" pitchFamily="34" charset="-122"/>
                 <a:ea typeface="微软雅黑" panose="020B0503020204020204" pitchFamily="34" charset="-122"/>
                 <a:sym typeface="Calibri"/>
@@ -15448,7 +15173,7 @@
               <a:t> implements the same interface as a real object (so it can be used as one), but lets you specify at run time </a:t>
             </a:r>
             <a:r>
-              <a:rPr lang="en-US" altLang="zh-Hans" sz="3600" dirty="0" smtClean="0">
+              <a:rPr lang="en-US" altLang="zh-Hans" sz="3600" dirty="0">
                 <a:solidFill>
                   <a:srgbClr val="FF0000"/>
                 </a:solidFill>
@@ -15459,7 +15184,7 @@
               <a:t>how it will be used</a:t>
             </a:r>
             <a:r>
-              <a:rPr lang="en-US" altLang="zh-Hans" sz="3600" dirty="0" smtClean="0">
+              <a:rPr lang="en-US" altLang="zh-Hans" sz="3600" dirty="0">
                 <a:latin typeface="微软雅黑" panose="020B0503020204020204" pitchFamily="34" charset="-122"/>
                 <a:ea typeface="微软雅黑" panose="020B0503020204020204" pitchFamily="34" charset="-122"/>
                 <a:sym typeface="Calibri"/>
@@ -15467,7 +15192,7 @@
               <a:t> and </a:t>
             </a:r>
             <a:r>
-              <a:rPr lang="en-US" altLang="zh-Hans" sz="3600" dirty="0" smtClean="0">
+              <a:rPr lang="en-US" altLang="zh-Hans" sz="3600" dirty="0">
                 <a:solidFill>
                   <a:srgbClr val="FF0000"/>
                 </a:solidFill>
@@ -15613,13 +15338,6 @@
     <a:masterClrMapping/>
   </p:clrMapOvr>
   <p:transition/>
-  <p:timing>
-    <p:tnLst>
-      <p:par>
-        <p:cTn id="1" dur="indefinite" restart="never" nodeType="tmRoot"/>
-      </p:par>
-    </p:tnLst>
-  </p:timing>
 </p:sld>
 </file>
 
@@ -15657,7 +15375,7 @@
           <a:p>
             <a:pPr algn="ctr"/>
             <a:r>
-              <a:rPr lang="en-US" altLang="zh-Hans" dirty="0" smtClean="0">
+              <a:rPr lang="en-US" altLang="zh-Hans" dirty="0">
                 <a:latin typeface="微软雅黑" panose="020B0503020204020204" pitchFamily="34" charset="-122"/>
                 <a:ea typeface="微软雅黑" panose="020B0503020204020204" pitchFamily="34" charset="-122"/>
               </a:rPr>
@@ -15687,14 +15405,14 @@
           <a:p>
             <a:pPr marL="0"/>
             <a:r>
-              <a:rPr lang="en-US" altLang="zh-Hant" dirty="0" smtClean="0">
+              <a:rPr lang="en-US" altLang="zh-Hant" dirty="0">
                 <a:latin typeface="微软雅黑" panose="020B0503020204020204" pitchFamily="34" charset="-122"/>
                 <a:ea typeface="微软雅黑" panose="020B0503020204020204" pitchFamily="34" charset="-122"/>
               </a:rPr>
               <a:t>Use the </a:t>
             </a:r>
             <a:r>
-              <a:rPr lang="en-US" altLang="zh-Hant" dirty="0" smtClean="0">
+              <a:rPr lang="en-US" altLang="zh-Hant" dirty="0">
                 <a:solidFill>
                   <a:srgbClr val="FF0000"/>
                 </a:solidFill>
@@ -15704,7 +15422,7 @@
               <a:t>EXPECT_CALL()</a:t>
             </a:r>
             <a:r>
-              <a:rPr lang="en-US" altLang="zh-Hant" dirty="0" smtClean="0">
+              <a:rPr lang="en-US" altLang="zh-Hant" dirty="0">
                 <a:latin typeface="微软雅黑" panose="020B0503020204020204" pitchFamily="34" charset="-122"/>
                 <a:ea typeface="微软雅黑" panose="020B0503020204020204" pitchFamily="34" charset="-122"/>
               </a:rPr>
@@ -15791,13 +15509,6 @@
     <a:masterClrMapping/>
   </p:clrMapOvr>
   <p:transition/>
-  <p:timing>
-    <p:tnLst>
-      <p:par>
-        <p:cTn id="1" dur="indefinite" restart="never" nodeType="tmRoot"/>
-      </p:par>
-    </p:tnLst>
-  </p:timing>
 </p:sld>
 </file>
 
@@ -15835,7 +15546,7 @@
           <a:p>
             <a:pPr algn="ctr"/>
             <a:r>
-              <a:rPr lang="en-US" altLang="zh-Hans" spc="-210" dirty="0" smtClean="0">
+              <a:rPr lang="en-US" altLang="zh-Hans" spc="-210" dirty="0">
                 <a:latin typeface="微软雅黑" panose="020B0503020204020204" pitchFamily="34" charset="-122"/>
                 <a:ea typeface="微软雅黑" panose="020B0503020204020204" pitchFamily="34" charset="-122"/>
               </a:rPr>
@@ -15865,14 +15576,14 @@
           <a:p>
             <a:pPr marL="0"/>
             <a:r>
-              <a:rPr lang="en-US" altLang="zh-Hant" sz="4400" dirty="0" smtClean="0">
+              <a:rPr lang="en-US" altLang="zh-Hant" sz="4400" dirty="0">
                 <a:latin typeface="微软雅黑" panose="020B0503020204020204" pitchFamily="34" charset="-122"/>
                 <a:ea typeface="微软雅黑" panose="020B0503020204020204" pitchFamily="34" charset="-122"/>
               </a:rPr>
               <a:t>The return value of mock functions can be specified by </a:t>
             </a:r>
             <a:r>
-              <a:rPr lang="en-US" altLang="zh-Hant" sz="4400" dirty="0" smtClean="0">
+              <a:rPr lang="en-US" altLang="zh-Hant" sz="4400" dirty="0">
                 <a:solidFill>
                   <a:srgbClr val="FF0000"/>
                 </a:solidFill>
@@ -15882,14 +15593,14 @@
               <a:t>Will</a:t>
             </a:r>
             <a:r>
-              <a:rPr lang="en-US" altLang="zh-Hant" sz="4400" dirty="0" smtClean="0">
+              <a:rPr lang="en-US" altLang="zh-Hant" sz="4400" dirty="0">
                 <a:latin typeface="微软雅黑" panose="020B0503020204020204" pitchFamily="34" charset="-122"/>
                 <a:ea typeface="微软雅黑" panose="020B0503020204020204" pitchFamily="34" charset="-122"/>
               </a:rPr>
               <a:t> and </a:t>
             </a:r>
             <a:r>
-              <a:rPr lang="en-US" altLang="zh-Hant" sz="4400" dirty="0" smtClean="0">
+              <a:rPr lang="en-US" altLang="zh-Hant" sz="4400" dirty="0">
                 <a:solidFill>
                   <a:srgbClr val="FF0000"/>
                 </a:solidFill>
@@ -15899,7 +15610,7 @@
               <a:t>Return</a:t>
             </a:r>
             <a:r>
-              <a:rPr lang="en-US" altLang="zh-Hant" sz="4400" dirty="0" smtClean="0">
+              <a:rPr lang="en-US" altLang="zh-Hant" sz="4400" dirty="0">
                 <a:latin typeface="微软雅黑" panose="020B0503020204020204" pitchFamily="34" charset="-122"/>
                 <a:ea typeface="微软雅黑" panose="020B0503020204020204" pitchFamily="34" charset="-122"/>
               </a:rPr>
@@ -15986,13 +15697,6 @@
     <a:masterClrMapping/>
   </p:clrMapOvr>
   <p:transition/>
-  <p:timing>
-    <p:tnLst>
-      <p:par>
-        <p:cTn id="1" dur="indefinite" restart="never" nodeType="tmRoot"/>
-      </p:par>
-    </p:tnLst>
-  </p:timing>
 </p:sld>
 </file>
 
@@ -16029,14 +15733,14 @@
           <a:lstStyle/>
           <a:p>
             <a:r>
-              <a:rPr lang="en-US" altLang="zh-Hans" sz="3400" dirty="0" smtClean="0">
+              <a:rPr lang="en-US" altLang="zh-Hans" sz="3400" dirty="0">
                 <a:latin typeface="微软雅黑" panose="020B0503020204020204" pitchFamily="34" charset="-122"/>
                 <a:ea typeface="微软雅黑" panose="020B0503020204020204" pitchFamily="34" charset="-122"/>
               </a:rPr>
               <a:t>include </a:t>
             </a:r>
             <a:r>
-              <a:rPr lang="en-US" altLang="zh-Hans" sz="3400" dirty="0" smtClean="0">
+              <a:rPr lang="en-US" altLang="zh-Hans" sz="3400" dirty="0">
                 <a:solidFill>
                   <a:srgbClr val="FF0000"/>
                 </a:solidFill>
@@ -16046,7 +15750,7 @@
               <a:t>&lt;</a:t>
             </a:r>
             <a:r>
-              <a:rPr lang="en-US" altLang="zh-Hans" sz="3400" dirty="0" err="1" smtClean="0">
+              <a:rPr lang="en-US" altLang="zh-Hans" sz="3400" dirty="0" err="1">
                 <a:solidFill>
                   <a:srgbClr val="FF0000"/>
                 </a:solidFill>
@@ -16056,7 +15760,7 @@
               <a:t>gmock</a:t>
             </a:r>
             <a:r>
-              <a:rPr lang="en-US" altLang="zh-Hans" sz="3400" dirty="0" smtClean="0">
+              <a:rPr lang="en-US" altLang="zh-Hans" sz="3400" dirty="0">
                 <a:solidFill>
                   <a:srgbClr val="FF0000"/>
                 </a:solidFill>
@@ -16066,7 +15770,7 @@
               <a:t>/</a:t>
             </a:r>
             <a:r>
-              <a:rPr lang="en-US" altLang="zh-Hans" sz="3400" dirty="0" err="1" smtClean="0">
+              <a:rPr lang="en-US" altLang="zh-Hans" sz="3400" dirty="0" err="1">
                 <a:solidFill>
                   <a:srgbClr val="FF0000"/>
                 </a:solidFill>
@@ -16076,7 +15780,7 @@
               <a:t>gmock.h</a:t>
             </a:r>
             <a:r>
-              <a:rPr lang="en-US" altLang="zh-Hans" sz="3400" dirty="0" smtClean="0">
+              <a:rPr lang="en-US" altLang="zh-Hans" sz="3400" dirty="0">
                 <a:solidFill>
                   <a:srgbClr val="FF0000"/>
                 </a:solidFill>
@@ -16088,7 +15792,7 @@
           </a:p>
           <a:p>
             <a:r>
-              <a:rPr lang="en-US" altLang="zh-Hans" sz="3400" dirty="0" smtClean="0">
+              <a:rPr lang="en-US" altLang="zh-Hans" sz="3400" dirty="0">
                 <a:latin typeface="微软雅黑" panose="020B0503020204020204" pitchFamily="34" charset="-122"/>
                 <a:ea typeface="微软雅黑" panose="020B0503020204020204" pitchFamily="34" charset="-122"/>
               </a:rPr>
@@ -16097,28 +15801,28 @@
           </a:p>
           <a:p>
             <a:r>
-              <a:rPr lang="en-US" altLang="zh-Hans" sz="3400" dirty="0" smtClean="0">
+              <a:rPr lang="en-US" altLang="zh-Hans" sz="3400" dirty="0">
                 <a:latin typeface="微软雅黑" panose="020B0503020204020204" pitchFamily="34" charset="-122"/>
                 <a:ea typeface="微软雅黑" panose="020B0503020204020204" pitchFamily="34" charset="-122"/>
               </a:rPr>
               <a:t>initialize </a:t>
             </a:r>
             <a:r>
-              <a:rPr lang="en-US" altLang="zh-Hans" sz="3400" dirty="0" err="1" smtClean="0">
+              <a:rPr lang="en-US" altLang="zh-Hans" sz="3400" dirty="0" err="1">
                 <a:latin typeface="微软雅黑" panose="020B0503020204020204" pitchFamily="34" charset="-122"/>
                 <a:ea typeface="微软雅黑" panose="020B0503020204020204" pitchFamily="34" charset="-122"/>
               </a:rPr>
               <a:t>gmock</a:t>
             </a:r>
             <a:r>
-              <a:rPr lang="en-US" altLang="zh-Hans" sz="3400" dirty="0" smtClean="0">
+              <a:rPr lang="en-US" altLang="zh-Hans" sz="3400" dirty="0">
                 <a:latin typeface="微软雅黑" panose="020B0503020204020204" pitchFamily="34" charset="-122"/>
                 <a:ea typeface="微软雅黑" panose="020B0503020204020204" pitchFamily="34" charset="-122"/>
               </a:rPr>
               <a:t> by </a:t>
             </a:r>
             <a:r>
-              <a:rPr lang="en-US" altLang="zh-Hans" sz="3400" dirty="0" err="1" smtClean="0">
+              <a:rPr lang="en-US" altLang="zh-Hans" sz="3400" dirty="0" err="1">
                 <a:solidFill>
                   <a:srgbClr val="FF0000"/>
                 </a:solidFill>
@@ -16128,7 +15832,7 @@
               <a:t>InitGoogleMock</a:t>
             </a:r>
             <a:r>
-              <a:rPr lang="en-US" altLang="zh-Hans" sz="3400" dirty="0" smtClean="0">
+              <a:rPr lang="en-US" altLang="zh-Hans" sz="3400" dirty="0">
                 <a:solidFill>
                   <a:srgbClr val="FF0000"/>
                 </a:solidFill>
@@ -16140,7 +15844,7 @@
           </a:p>
           <a:p>
             <a:r>
-              <a:rPr lang="en-US" altLang="zh-Hans" sz="3400" dirty="0" smtClean="0">
+              <a:rPr lang="en-US" altLang="zh-Hans" sz="3400" dirty="0">
                 <a:latin typeface="微软雅黑" panose="020B0503020204020204" pitchFamily="34" charset="-122"/>
                 <a:ea typeface="微软雅黑" panose="020B0503020204020204" pitchFamily="34" charset="-122"/>
               </a:rPr>
@@ -16149,7 +15853,7 @@
           </a:p>
           <a:p>
             <a:r>
-              <a:rPr lang="en-US" altLang="zh-Hans" sz="3400" dirty="0" smtClean="0">
+              <a:rPr lang="en-US" altLang="zh-Hans" sz="3400" dirty="0">
                 <a:latin typeface="微软雅黑" panose="020B0503020204020204" pitchFamily="34" charset="-122"/>
                 <a:ea typeface="微软雅黑" panose="020B0503020204020204" pitchFamily="34" charset="-122"/>
               </a:rPr>
@@ -16213,7 +15917,7 @@
           <a:p>
             <a:pPr algn="ctr"/>
             <a:r>
-              <a:rPr lang="en-US" altLang="zh-Hans" spc="-210" dirty="0" smtClean="0">
+              <a:rPr lang="en-US" altLang="zh-Hans" spc="-210" dirty="0">
                 <a:latin typeface="微软雅黑" panose="020B0503020204020204" pitchFamily="34" charset="-122"/>
                 <a:ea typeface="微软雅黑" panose="020B0503020204020204" pitchFamily="34" charset="-122"/>
               </a:rPr>
@@ -16289,21 +15993,21 @@
               </a:lnSpc>
             </a:pPr>
             <a:r>
-              <a:rPr lang="en-US" altLang="zh-Hans" sz="2800" dirty="0" err="1" smtClean="0">
+              <a:rPr lang="en-US" altLang="zh-Hans" sz="2800" dirty="0" err="1">
                 <a:latin typeface="微软雅黑" panose="020B0503020204020204" pitchFamily="34" charset="-122"/>
                 <a:ea typeface="微软雅黑" panose="020B0503020204020204" pitchFamily="34" charset="-122"/>
               </a:rPr>
               <a:t>InitGoogleMock</a:t>
             </a:r>
             <a:r>
-              <a:rPr lang="en-US" altLang="zh-Hans" sz="2800" dirty="0" smtClean="0">
+              <a:rPr lang="en-US" altLang="zh-Hans" sz="2800" dirty="0">
                 <a:latin typeface="微软雅黑" panose="020B0503020204020204" pitchFamily="34" charset="-122"/>
                 <a:ea typeface="微软雅黑" panose="020B0503020204020204" pitchFamily="34" charset="-122"/>
               </a:rPr>
               <a:t>() will </a:t>
             </a:r>
             <a:r>
-              <a:rPr lang="en-US" altLang="zh-Hans" sz="2800" dirty="0" smtClean="0">
+              <a:rPr lang="en-US" altLang="zh-Hans" sz="2800" dirty="0">
                 <a:solidFill>
                   <a:srgbClr val="FF0000"/>
                 </a:solidFill>
@@ -16313,13 +16017,13 @@
               <a:t>automatically</a:t>
             </a:r>
             <a:r>
-              <a:rPr lang="en-US" altLang="zh-Hans" sz="2800" dirty="0" smtClean="0">
+              <a:rPr lang="en-US" altLang="zh-Hans" sz="2800" dirty="0">
                 <a:latin typeface="微软雅黑" panose="020B0503020204020204" pitchFamily="34" charset="-122"/>
                 <a:ea typeface="微软雅黑" panose="020B0503020204020204" pitchFamily="34" charset="-122"/>
               </a:rPr>
               <a:t> initialize Google Test</a:t>
             </a:r>
-            <a:endParaRPr lang="zh-Hans" altLang="en-US" sz="2800" dirty="0" smtClean="0">
+            <a:endParaRPr lang="zh-Hans" altLang="en-US" sz="2800" dirty="0">
               <a:latin typeface="微软雅黑" panose="020B0503020204020204" pitchFamily="34" charset="-122"/>
               <a:ea typeface="微软雅黑" panose="020B0503020204020204" pitchFamily="34" charset="-122"/>
             </a:endParaRPr>
@@ -16337,13 +16041,6 @@
     <a:masterClrMapping/>
   </p:clrMapOvr>
   <p:transition/>
-  <p:timing>
-    <p:tnLst>
-      <p:par>
-        <p:cTn id="1" dur="indefinite" restart="never" nodeType="tmRoot"/>
-      </p:par>
-    </p:tnLst>
-  </p:timing>
 </p:sld>
 </file>
 
@@ -16611,7 +16308,7 @@
         <a:effectLst/>
         <a:extLst>
           <a:ext uri="{91240B29-F687-4f45-9708-019B960494DF}">
-            <a14:hiddenLine xmlns:a14="http://schemas.microsoft.com/office/drawing/2010/main" xmlns="" w="25400" cap="flat" cmpd="sng" algn="ctr">
+            <a14:hiddenLine xmlns="" xmlns:a14="http://schemas.microsoft.com/office/drawing/2010/main" w="25400" cap="flat" cmpd="sng" algn="ctr">
               <a:solidFill>
                 <a:srgbClr val="000000"/>
               </a:solidFill>
@@ -16622,7 +16319,7 @@
             </a14:hiddenLine>
           </a:ext>
           <a:ext uri="{AF507438-7753-43e0-B8FC-AC1667EBCBE1}">
-            <a14:hiddenEffects xmlns:a14="http://schemas.microsoft.com/office/drawing/2010/main" xmlns="">
+            <a14:hiddenEffects xmlns="" xmlns:a14="http://schemas.microsoft.com/office/drawing/2010/main">
               <a:effectLst>
                 <a:outerShdw blurRad="63500" dist="38099" dir="2700000" algn="ctr" rotWithShape="0">
                   <a:schemeClr val="bg2">
@@ -16998,7 +16695,7 @@
         <a:effectLst/>
         <a:extLst>
           <a:ext uri="{91240B29-F687-4f45-9708-019B960494DF}">
-            <a14:hiddenLine xmlns:a14="http://schemas.microsoft.com/office/drawing/2010/main" xmlns="" w="25400" cap="flat" cmpd="sng" algn="ctr">
+            <a14:hiddenLine xmlns="" xmlns:a14="http://schemas.microsoft.com/office/drawing/2010/main" w="25400" cap="flat" cmpd="sng" algn="ctr">
               <a:solidFill>
                 <a:srgbClr val="000000"/>
               </a:solidFill>
@@ -17009,7 +16706,7 @@
             </a14:hiddenLine>
           </a:ext>
           <a:ext uri="{AF507438-7753-43e0-B8FC-AC1667EBCBE1}">
-            <a14:hiddenEffects xmlns:a14="http://schemas.microsoft.com/office/drawing/2010/main" xmlns="">
+            <a14:hiddenEffects xmlns="" xmlns:a14="http://schemas.microsoft.com/office/drawing/2010/main">
               <a:effectLst>
                 <a:outerShdw blurRad="63500" dist="38099" dir="2700000" algn="ctr" rotWithShape="0">
                   <a:schemeClr val="bg2">
@@ -17385,7 +17082,7 @@
         <a:effectLst/>
         <a:extLst>
           <a:ext uri="{91240B29-F687-4f45-9708-019B960494DF}">
-            <a14:hiddenLine xmlns:a14="http://schemas.microsoft.com/office/drawing/2010/main" xmlns="" w="25400" cap="flat" cmpd="sng" algn="ctr">
+            <a14:hiddenLine xmlns="" xmlns:a14="http://schemas.microsoft.com/office/drawing/2010/main" w="25400" cap="flat" cmpd="sng" algn="ctr">
               <a:solidFill>
                 <a:srgbClr val="000000"/>
               </a:solidFill>
@@ -17396,7 +17093,7 @@
             </a14:hiddenLine>
           </a:ext>
           <a:ext uri="{AF507438-7753-43e0-B8FC-AC1667EBCBE1}">
-            <a14:hiddenEffects xmlns:a14="http://schemas.microsoft.com/office/drawing/2010/main" xmlns="">
+            <a14:hiddenEffects xmlns="" xmlns:a14="http://schemas.microsoft.com/office/drawing/2010/main">
               <a:effectLst>
                 <a:outerShdw blurRad="63500" dist="38099" dir="2700000" algn="ctr" rotWithShape="0">
                   <a:schemeClr val="bg2">
